--- a/images/draw/図素材.pptx
+++ b/images/draw/図素材.pptx
@@ -5,13 +5,22 @@
     <p:sldMasterId id="2147483660" r:id="rId1"/>
   </p:sldMasterIdLst>
   <p:notesMasterIdLst>
-    <p:notesMasterId r:id="rId3"/>
+    <p:notesMasterId r:id="rId12"/>
   </p:notesMasterIdLst>
   <p:handoutMasterIdLst>
-    <p:handoutMasterId r:id="rId4"/>
+    <p:handoutMasterId r:id="rId13"/>
   </p:handoutMasterIdLst>
   <p:sldIdLst>
     <p:sldId id="579" r:id="rId2"/>
+    <p:sldId id="580" r:id="rId3"/>
+    <p:sldId id="581" r:id="rId4"/>
+    <p:sldId id="582" r:id="rId5"/>
+    <p:sldId id="583" r:id="rId6"/>
+    <p:sldId id="584" r:id="rId7"/>
+    <p:sldId id="585" r:id="rId8"/>
+    <p:sldId id="586" r:id="rId9"/>
+    <p:sldId id="587" r:id="rId10"/>
+    <p:sldId id="588" r:id="rId11"/>
   </p:sldIdLst>
   <p:sldSz cx="9144000" cy="6858000" type="screen4x3"/>
   <p:notesSz cx="6858000" cy="9144000"/>
@@ -215,7 +224,7 @@
           <a:p>
             <a:fld id="{C0D9501B-69D0-4000-9A67-A4069798CF04}" type="datetimeFigureOut">
               <a:rPr kumimoji="1" lang="ja-JP" altLang="en-US" smtClean="0"/>
-              <a:t>2021/5/27</a:t>
+              <a:t>2022/4/17</a:t>
             </a:fld>
             <a:endParaRPr kumimoji="1" lang="ja-JP" altLang="en-US"/>
           </a:p>
@@ -393,7 +402,7 @@
           <a:p>
             <a:fld id="{E1D20702-79C6-4D55-B0C7-6A4E995866BD}" type="datetimeFigureOut">
               <a:rPr kumimoji="1" lang="ja-JP" altLang="en-US" smtClean="0"/>
-              <a:t>2021/5/27</a:t>
+              <a:t>2022/4/17</a:t>
             </a:fld>
             <a:endParaRPr kumimoji="1" lang="ja-JP" altLang="en-US"/>
           </a:p>
@@ -3626,6 +3635,3898 @@
     <p:extLst>
       <p:ext uri="{BB962C8B-B14F-4D97-AF65-F5344CB8AC3E}">
         <p14:creationId xmlns:p14="http://schemas.microsoft.com/office/powerpoint/2010/main" val="702747276"/>
+      </p:ext>
+    </p:extLst>
+  </p:cSld>
+  <p:clrMapOvr>
+    <a:masterClrMapping/>
+  </p:clrMapOvr>
+</p:sld>
+</file>
+
+<file path=ppt/slides/slide10.xml><?xml version="1.0" encoding="utf-8"?>
+<p:sld xmlns:a="http://schemas.openxmlformats.org/drawingml/2006/main" xmlns:r="http://schemas.openxmlformats.org/officeDocument/2006/relationships" xmlns:p="http://schemas.openxmlformats.org/presentationml/2006/main">
+  <p:cSld>
+    <p:spTree>
+      <p:nvGrpSpPr>
+        <p:cNvPr id="1" name=""/>
+        <p:cNvGrpSpPr/>
+        <p:nvPr/>
+      </p:nvGrpSpPr>
+      <p:grpSpPr>
+        <a:xfrm>
+          <a:off x="0" y="0"/>
+          <a:ext cx="0" cy="0"/>
+          <a:chOff x="0" y="0"/>
+          <a:chExt cx="0" cy="0"/>
+        </a:xfrm>
+      </p:grpSpPr>
+      <p:sp>
+        <p:nvSpPr>
+          <p:cNvPr id="28" name="円弧 27">
+            <a:extLst>
+              <a:ext uri="{FF2B5EF4-FFF2-40B4-BE49-F238E27FC236}">
+                <a16:creationId xmlns:a16="http://schemas.microsoft.com/office/drawing/2014/main" id="{642B9201-DF46-4383-B0AE-EDBE41FAF786}"/>
+              </a:ext>
+            </a:extLst>
+          </p:cNvPr>
+          <p:cNvSpPr/>
+          <p:nvPr/>
+        </p:nvSpPr>
+        <p:spPr>
+          <a:xfrm>
+            <a:off x="1744741" y="2305175"/>
+            <a:ext cx="1528738" cy="1123825"/>
+          </a:xfrm>
+          <a:prstGeom prst="arc">
+            <a:avLst>
+              <a:gd name="adj1" fmla="val 13417274"/>
+              <a:gd name="adj2" fmla="val 3537476"/>
+            </a:avLst>
+          </a:prstGeom>
+          <a:noFill/>
+          <a:ln w="28575">
+            <a:solidFill>
+              <a:schemeClr val="bg2"/>
+            </a:solidFill>
+            <a:headEnd type="none" w="med" len="med"/>
+            <a:tailEnd type="none" w="med" len="med"/>
+          </a:ln>
+        </p:spPr>
+        <p:style>
+          <a:lnRef idx="1">
+            <a:schemeClr val="accent1"/>
+          </a:lnRef>
+          <a:fillRef idx="0">
+            <a:schemeClr val="accent1"/>
+          </a:fillRef>
+          <a:effectRef idx="0">
+            <a:schemeClr val="accent1"/>
+          </a:effectRef>
+          <a:fontRef idx="minor">
+            <a:schemeClr val="tx1"/>
+          </a:fontRef>
+        </p:style>
+        <p:txBody>
+          <a:bodyPr rtlCol="0" anchor="ctr"/>
+          <a:lstStyle/>
+          <a:p>
+            <a:pPr algn="ctr"/>
+            <a:endParaRPr kumimoji="1" lang="ja-JP" altLang="en-US"/>
+          </a:p>
+        </p:txBody>
+      </p:sp>
+      <p:sp>
+        <p:nvSpPr>
+          <p:cNvPr id="2" name="スライド番号プレースホルダー 1">
+            <a:extLst>
+              <a:ext uri="{FF2B5EF4-FFF2-40B4-BE49-F238E27FC236}">
+                <a16:creationId xmlns:a16="http://schemas.microsoft.com/office/drawing/2014/main" id="{6A3EF341-4EC6-494B-8EBB-950529C5506D}"/>
+              </a:ext>
+            </a:extLst>
+          </p:cNvPr>
+          <p:cNvSpPr>
+            <a:spLocks noGrp="1"/>
+          </p:cNvSpPr>
+          <p:nvPr>
+            <p:ph type="sldNum" sz="quarter" idx="12"/>
+          </p:nvPr>
+        </p:nvSpPr>
+        <p:spPr/>
+        <p:txBody>
+          <a:bodyPr/>
+          <a:lstStyle/>
+          <a:p>
+            <a:fld id="{54E8F7FD-0FB9-42CD-ACB3-7754F601E11E}" type="slidenum">
+              <a:rPr kumimoji="1" lang="ja-JP" altLang="en-US" smtClean="0"/>
+              <a:t>10</a:t>
+            </a:fld>
+            <a:endParaRPr kumimoji="1" lang="ja-JP" altLang="en-US"/>
+          </a:p>
+        </p:txBody>
+      </p:sp>
+      <p:sp>
+        <p:nvSpPr>
+          <p:cNvPr id="3" name="タイトル 2">
+            <a:extLst>
+              <a:ext uri="{FF2B5EF4-FFF2-40B4-BE49-F238E27FC236}">
+                <a16:creationId xmlns:a16="http://schemas.microsoft.com/office/drawing/2014/main" id="{D0B69B91-FD30-4B11-AE0E-EE10E00756AA}"/>
+              </a:ext>
+            </a:extLst>
+          </p:cNvPr>
+          <p:cNvSpPr>
+            <a:spLocks noGrp="1"/>
+          </p:cNvSpPr>
+          <p:nvPr>
+            <p:ph type="title"/>
+          </p:nvPr>
+        </p:nvSpPr>
+        <p:spPr/>
+        <p:txBody>
+          <a:bodyPr/>
+          <a:lstStyle/>
+          <a:p>
+            <a:endParaRPr kumimoji="1" lang="ja-JP" altLang="en-US"/>
+          </a:p>
+        </p:txBody>
+      </p:sp>
+      <p:sp>
+        <p:nvSpPr>
+          <p:cNvPr id="4" name="フッター プレースホルダー 3">
+            <a:extLst>
+              <a:ext uri="{FF2B5EF4-FFF2-40B4-BE49-F238E27FC236}">
+                <a16:creationId xmlns:a16="http://schemas.microsoft.com/office/drawing/2014/main" id="{B595D397-E477-4478-9584-1BE4ED7B9260}"/>
+              </a:ext>
+            </a:extLst>
+          </p:cNvPr>
+          <p:cNvSpPr>
+            <a:spLocks noGrp="1"/>
+          </p:cNvSpPr>
+          <p:nvPr>
+            <p:ph type="ftr" sz="quarter" idx="14"/>
+          </p:nvPr>
+        </p:nvSpPr>
+        <p:spPr/>
+        <p:txBody>
+          <a:bodyPr/>
+          <a:lstStyle/>
+          <a:p>
+            <a:endParaRPr lang="ja-JP" altLang="en-US"/>
+          </a:p>
+        </p:txBody>
+      </p:sp>
+      <p:sp>
+        <p:nvSpPr>
+          <p:cNvPr id="6" name="楕円 5">
+            <a:extLst>
+              <a:ext uri="{FF2B5EF4-FFF2-40B4-BE49-F238E27FC236}">
+                <a16:creationId xmlns:a16="http://schemas.microsoft.com/office/drawing/2014/main" id="{2BC90D54-F11A-4CA1-9354-38EB3BEE6E94}"/>
+              </a:ext>
+            </a:extLst>
+          </p:cNvPr>
+          <p:cNvSpPr/>
+          <p:nvPr/>
+        </p:nvSpPr>
+        <p:spPr>
+          <a:xfrm>
+            <a:off x="2478076" y="2813012"/>
+            <a:ext cx="84778" cy="84778"/>
+          </a:xfrm>
+          <a:prstGeom prst="ellipse">
+            <a:avLst/>
+          </a:prstGeom>
+          <a:solidFill>
+            <a:srgbClr val="FF0000"/>
+          </a:solidFill>
+          <a:ln>
+            <a:noFill/>
+          </a:ln>
+        </p:spPr>
+        <p:style>
+          <a:lnRef idx="2">
+            <a:schemeClr val="accent1">
+              <a:shade val="50000"/>
+            </a:schemeClr>
+          </a:lnRef>
+          <a:fillRef idx="1">
+            <a:schemeClr val="accent1"/>
+          </a:fillRef>
+          <a:effectRef idx="0">
+            <a:schemeClr val="accent1"/>
+          </a:effectRef>
+          <a:fontRef idx="minor">
+            <a:schemeClr val="lt1"/>
+          </a:fontRef>
+        </p:style>
+        <p:txBody>
+          <a:bodyPr rtlCol="0" anchor="ctr"/>
+          <a:lstStyle/>
+          <a:p>
+            <a:pPr algn="ctr"/>
+            <a:endParaRPr kumimoji="1" lang="ja-JP" altLang="en-US"/>
+          </a:p>
+        </p:txBody>
+      </p:sp>
+      <p:cxnSp>
+        <p:nvCxnSpPr>
+          <p:cNvPr id="8" name="直線矢印コネクタ 7">
+            <a:extLst>
+              <a:ext uri="{FF2B5EF4-FFF2-40B4-BE49-F238E27FC236}">
+                <a16:creationId xmlns:a16="http://schemas.microsoft.com/office/drawing/2014/main" id="{2EDFDC31-14A7-4396-95E5-DAF8E03426A4}"/>
+              </a:ext>
+            </a:extLst>
+          </p:cNvPr>
+          <p:cNvCxnSpPr>
+            <a:cxnSpLocks/>
+            <a:stCxn id="6" idx="2"/>
+          </p:cNvCxnSpPr>
+          <p:nvPr/>
+        </p:nvCxnSpPr>
+        <p:spPr>
+          <a:xfrm>
+            <a:off x="2478076" y="2855401"/>
+            <a:ext cx="788549" cy="0"/>
+          </a:xfrm>
+          <a:prstGeom prst="straightConnector1">
+            <a:avLst/>
+          </a:prstGeom>
+          <a:ln w="19050">
+            <a:solidFill>
+              <a:srgbClr val="FF0000"/>
+            </a:solidFill>
+            <a:prstDash val="solid"/>
+            <a:headEnd type="none" w="med" len="med"/>
+            <a:tailEnd type="none" w="med" len="med"/>
+          </a:ln>
+        </p:spPr>
+        <p:style>
+          <a:lnRef idx="1">
+            <a:schemeClr val="accent1"/>
+          </a:lnRef>
+          <a:fillRef idx="0">
+            <a:schemeClr val="accent1"/>
+          </a:fillRef>
+          <a:effectRef idx="0">
+            <a:schemeClr val="accent1"/>
+          </a:effectRef>
+          <a:fontRef idx="minor">
+            <a:schemeClr val="tx1"/>
+          </a:fontRef>
+        </p:style>
+      </p:cxnSp>
+      <p:sp>
+        <p:nvSpPr>
+          <p:cNvPr id="5" name="円弧 4">
+            <a:extLst>
+              <a:ext uri="{FF2B5EF4-FFF2-40B4-BE49-F238E27FC236}">
+                <a16:creationId xmlns:a16="http://schemas.microsoft.com/office/drawing/2014/main" id="{F9695E33-5E7E-4AAD-8783-5B76F7D2D948}"/>
+              </a:ext>
+            </a:extLst>
+          </p:cNvPr>
+          <p:cNvSpPr/>
+          <p:nvPr/>
+        </p:nvSpPr>
+        <p:spPr>
+          <a:xfrm>
+            <a:off x="1750082" y="2305175"/>
+            <a:ext cx="1528738" cy="1123825"/>
+          </a:xfrm>
+          <a:prstGeom prst="arc">
+            <a:avLst>
+              <a:gd name="adj1" fmla="val 3211695"/>
+              <a:gd name="adj2" fmla="val 13789105"/>
+            </a:avLst>
+          </a:prstGeom>
+          <a:noFill/>
+          <a:ln w="28575">
+            <a:solidFill>
+              <a:schemeClr val="tx1"/>
+            </a:solidFill>
+            <a:headEnd type="oval" w="med" len="med"/>
+            <a:tailEnd type="oval" w="med" len="med"/>
+          </a:ln>
+        </p:spPr>
+        <p:style>
+          <a:lnRef idx="1">
+            <a:schemeClr val="accent1"/>
+          </a:lnRef>
+          <a:fillRef idx="0">
+            <a:schemeClr val="accent1"/>
+          </a:fillRef>
+          <a:effectRef idx="0">
+            <a:schemeClr val="accent1"/>
+          </a:effectRef>
+          <a:fontRef idx="minor">
+            <a:schemeClr val="tx1"/>
+          </a:fontRef>
+        </p:style>
+        <p:txBody>
+          <a:bodyPr rtlCol="0" anchor="ctr"/>
+          <a:lstStyle/>
+          <a:p>
+            <a:pPr algn="ctr"/>
+            <a:endParaRPr kumimoji="1" lang="ja-JP" altLang="en-US"/>
+          </a:p>
+        </p:txBody>
+      </p:sp>
+      <p:sp>
+        <p:nvSpPr>
+          <p:cNvPr id="9" name="テキスト ボックス 8">
+            <a:extLst>
+              <a:ext uri="{FF2B5EF4-FFF2-40B4-BE49-F238E27FC236}">
+                <a16:creationId xmlns:a16="http://schemas.microsoft.com/office/drawing/2014/main" id="{C3AC7CA1-F47E-426B-8190-B9A4F04F0656}"/>
+              </a:ext>
+            </a:extLst>
+          </p:cNvPr>
+          <p:cNvSpPr txBox="1"/>
+          <p:nvPr/>
+        </p:nvSpPr>
+        <p:spPr>
+          <a:xfrm>
+            <a:off x="3254513" y="2664679"/>
+            <a:ext cx="566510" cy="369332"/>
+          </a:xfrm>
+          <a:prstGeom prst="rect">
+            <a:avLst/>
+          </a:prstGeom>
+          <a:noFill/>
+        </p:spPr>
+        <p:txBody>
+          <a:bodyPr wrap="square" rtlCol="0">
+            <a:spAutoFit/>
+          </a:bodyPr>
+          <a:lstStyle/>
+          <a:p>
+            <a:r>
+              <a:rPr kumimoji="1" lang="en-US" altLang="ja-JP">
+                <a:solidFill>
+                  <a:srgbClr val="FF0000"/>
+                </a:solidFill>
+              </a:rPr>
+              <a:t>0°</a:t>
+            </a:r>
+            <a:endParaRPr kumimoji="1" lang="ja-JP" altLang="en-US">
+              <a:solidFill>
+                <a:srgbClr val="FF0000"/>
+              </a:solidFill>
+            </a:endParaRPr>
+          </a:p>
+        </p:txBody>
+      </p:sp>
+      <p:sp>
+        <p:nvSpPr>
+          <p:cNvPr id="19" name="円弧 18">
+            <a:extLst>
+              <a:ext uri="{FF2B5EF4-FFF2-40B4-BE49-F238E27FC236}">
+                <a16:creationId xmlns:a16="http://schemas.microsoft.com/office/drawing/2014/main" id="{58EE2279-7A95-401E-9C1D-454D3A177BB7}"/>
+              </a:ext>
+            </a:extLst>
+          </p:cNvPr>
+          <p:cNvSpPr/>
+          <p:nvPr/>
+        </p:nvSpPr>
+        <p:spPr>
+          <a:xfrm>
+            <a:off x="2312580" y="2664170"/>
+            <a:ext cx="393062" cy="393062"/>
+          </a:xfrm>
+          <a:prstGeom prst="arc">
+            <a:avLst>
+              <a:gd name="adj1" fmla="val 21535754"/>
+              <a:gd name="adj2" fmla="val 3043558"/>
+            </a:avLst>
+          </a:prstGeom>
+          <a:ln>
+            <a:solidFill>
+              <a:srgbClr val="FF0000"/>
+            </a:solidFill>
+            <a:headEnd type="none" w="med" len="med"/>
+            <a:tailEnd type="triangle" w="med" len="med"/>
+          </a:ln>
+        </p:spPr>
+        <p:style>
+          <a:lnRef idx="1">
+            <a:schemeClr val="accent1"/>
+          </a:lnRef>
+          <a:fillRef idx="0">
+            <a:schemeClr val="accent1"/>
+          </a:fillRef>
+          <a:effectRef idx="0">
+            <a:schemeClr val="accent1"/>
+          </a:effectRef>
+          <a:fontRef idx="minor">
+            <a:schemeClr val="tx1"/>
+          </a:fontRef>
+        </p:style>
+        <p:txBody>
+          <a:bodyPr rtlCol="0" anchor="ctr"/>
+          <a:lstStyle/>
+          <a:p>
+            <a:pPr algn="ctr"/>
+            <a:endParaRPr kumimoji="1" lang="ja-JP" altLang="en-US"/>
+          </a:p>
+        </p:txBody>
+      </p:sp>
+      <p:sp>
+        <p:nvSpPr>
+          <p:cNvPr id="21" name="テキスト ボックス 20">
+            <a:extLst>
+              <a:ext uri="{FF2B5EF4-FFF2-40B4-BE49-F238E27FC236}">
+                <a16:creationId xmlns:a16="http://schemas.microsoft.com/office/drawing/2014/main" id="{4E6FAA14-5C70-4B26-A996-6C058047C7CF}"/>
+              </a:ext>
+            </a:extLst>
+          </p:cNvPr>
+          <p:cNvSpPr txBox="1"/>
+          <p:nvPr/>
+        </p:nvSpPr>
+        <p:spPr>
+          <a:xfrm>
+            <a:off x="3254513" y="1939753"/>
+            <a:ext cx="1723549" cy="461665"/>
+          </a:xfrm>
+          <a:prstGeom prst="rect">
+            <a:avLst/>
+          </a:prstGeom>
+          <a:noFill/>
+          <a:ln>
+            <a:solidFill>
+              <a:schemeClr val="tx1">
+                <a:lumMod val="50000"/>
+                <a:lumOff val="50000"/>
+              </a:schemeClr>
+            </a:solidFill>
+          </a:ln>
+        </p:spPr>
+        <p:txBody>
+          <a:bodyPr wrap="none" rtlCol="0">
+            <a:spAutoFit/>
+          </a:bodyPr>
+          <a:lstStyle/>
+          <a:p>
+            <a:r>
+              <a:rPr kumimoji="1" lang="ja-JP" altLang="en-US" sz="1200"/>
+              <a:t>この</a:t>
+            </a:r>
+            <a:r>
+              <a:rPr kumimoji="1" lang="ja-JP" altLang="en-US" sz="1200">
+                <a:solidFill>
+                  <a:srgbClr val="FF0000"/>
+                </a:solidFill>
+              </a:rPr>
+              <a:t>赤線</a:t>
+            </a:r>
+            <a:r>
+              <a:rPr kumimoji="1" lang="ja-JP" altLang="en-US" sz="1200"/>
+              <a:t>を基準に</a:t>
+            </a:r>
+            <a:endParaRPr kumimoji="1" lang="en-US" altLang="ja-JP" sz="1200"/>
+          </a:p>
+          <a:p>
+            <a:r>
+              <a:rPr kumimoji="1" lang="ja-JP" altLang="en-US" sz="1200"/>
+              <a:t>時計回りに角度を指定</a:t>
+            </a:r>
+          </a:p>
+        </p:txBody>
+      </p:sp>
+      <p:cxnSp>
+        <p:nvCxnSpPr>
+          <p:cNvPr id="22" name="直線矢印コネクタ 21">
+            <a:extLst>
+              <a:ext uri="{FF2B5EF4-FFF2-40B4-BE49-F238E27FC236}">
+                <a16:creationId xmlns:a16="http://schemas.microsoft.com/office/drawing/2014/main" id="{4FC16F67-C452-423A-8235-214C1E4BF3CF}"/>
+              </a:ext>
+            </a:extLst>
+          </p:cNvPr>
+          <p:cNvCxnSpPr>
+            <a:cxnSpLocks/>
+            <a:stCxn id="6" idx="5"/>
+            <a:endCxn id="5" idx="0"/>
+          </p:cNvCxnSpPr>
+          <p:nvPr/>
+        </p:nvCxnSpPr>
+        <p:spPr>
+          <a:xfrm>
+            <a:off x="2550439" y="2885375"/>
+            <a:ext cx="328972" cy="475437"/>
+          </a:xfrm>
+          <a:prstGeom prst="straightConnector1">
+            <a:avLst/>
+          </a:prstGeom>
+          <a:ln w="19050">
+            <a:solidFill>
+              <a:srgbClr val="FF0000"/>
+            </a:solidFill>
+            <a:prstDash val="sysDot"/>
+            <a:headEnd type="none" w="med" len="med"/>
+            <a:tailEnd type="none" w="med" len="med"/>
+          </a:ln>
+        </p:spPr>
+        <p:style>
+          <a:lnRef idx="1">
+            <a:schemeClr val="accent1"/>
+          </a:lnRef>
+          <a:fillRef idx="0">
+            <a:schemeClr val="accent1"/>
+          </a:fillRef>
+          <a:effectRef idx="0">
+            <a:schemeClr val="accent1"/>
+          </a:effectRef>
+          <a:fontRef idx="minor">
+            <a:schemeClr val="tx1"/>
+          </a:fontRef>
+        </p:style>
+      </p:cxnSp>
+      <p:sp>
+        <p:nvSpPr>
+          <p:cNvPr id="25" name="円弧 24">
+            <a:extLst>
+              <a:ext uri="{FF2B5EF4-FFF2-40B4-BE49-F238E27FC236}">
+                <a16:creationId xmlns:a16="http://schemas.microsoft.com/office/drawing/2014/main" id="{AAB4EE37-2B51-407B-824A-92F6F470E360}"/>
+              </a:ext>
+            </a:extLst>
+          </p:cNvPr>
+          <p:cNvSpPr/>
+          <p:nvPr/>
+        </p:nvSpPr>
+        <p:spPr>
+          <a:xfrm>
+            <a:off x="2187169" y="2576641"/>
+            <a:ext cx="643883" cy="580892"/>
+          </a:xfrm>
+          <a:prstGeom prst="arc">
+            <a:avLst>
+              <a:gd name="adj1" fmla="val 21535754"/>
+              <a:gd name="adj2" fmla="val 13880693"/>
+            </a:avLst>
+          </a:prstGeom>
+          <a:ln>
+            <a:solidFill>
+              <a:srgbClr val="FF0000"/>
+            </a:solidFill>
+            <a:headEnd type="none" w="med" len="med"/>
+            <a:tailEnd type="triangle" w="med" len="med"/>
+          </a:ln>
+        </p:spPr>
+        <p:style>
+          <a:lnRef idx="1">
+            <a:schemeClr val="accent1"/>
+          </a:lnRef>
+          <a:fillRef idx="0">
+            <a:schemeClr val="accent1"/>
+          </a:fillRef>
+          <a:effectRef idx="0">
+            <a:schemeClr val="accent1"/>
+          </a:effectRef>
+          <a:fontRef idx="minor">
+            <a:schemeClr val="tx1"/>
+          </a:fontRef>
+        </p:style>
+        <p:txBody>
+          <a:bodyPr rtlCol="0" anchor="ctr"/>
+          <a:lstStyle/>
+          <a:p>
+            <a:pPr algn="ctr"/>
+            <a:endParaRPr kumimoji="1" lang="ja-JP" altLang="en-US"/>
+          </a:p>
+        </p:txBody>
+      </p:sp>
+      <p:cxnSp>
+        <p:nvCxnSpPr>
+          <p:cNvPr id="26" name="直線矢印コネクタ 25">
+            <a:extLst>
+              <a:ext uri="{FF2B5EF4-FFF2-40B4-BE49-F238E27FC236}">
+                <a16:creationId xmlns:a16="http://schemas.microsoft.com/office/drawing/2014/main" id="{1A0D86CB-6114-4F1B-8B99-6C6DDEF869B0}"/>
+              </a:ext>
+            </a:extLst>
+          </p:cNvPr>
+          <p:cNvCxnSpPr>
+            <a:cxnSpLocks/>
+            <a:stCxn id="5" idx="2"/>
+          </p:cNvCxnSpPr>
+          <p:nvPr/>
+        </p:nvCxnSpPr>
+        <p:spPr>
+          <a:xfrm>
+            <a:off x="2111285" y="2389694"/>
+            <a:ext cx="390965" cy="452753"/>
+          </a:xfrm>
+          <a:prstGeom prst="straightConnector1">
+            <a:avLst/>
+          </a:prstGeom>
+          <a:ln w="19050">
+            <a:solidFill>
+              <a:srgbClr val="FF0000"/>
+            </a:solidFill>
+            <a:prstDash val="sysDot"/>
+            <a:headEnd type="none" w="med" len="med"/>
+            <a:tailEnd type="none" w="med" len="med"/>
+          </a:ln>
+        </p:spPr>
+        <p:style>
+          <a:lnRef idx="1">
+            <a:schemeClr val="accent1"/>
+          </a:lnRef>
+          <a:fillRef idx="0">
+            <a:schemeClr val="accent1"/>
+          </a:fillRef>
+          <a:effectRef idx="0">
+            <a:schemeClr val="accent1"/>
+          </a:effectRef>
+          <a:fontRef idx="minor">
+            <a:schemeClr val="tx1"/>
+          </a:fontRef>
+        </p:style>
+      </p:cxnSp>
+      <p:sp>
+        <p:nvSpPr>
+          <p:cNvPr id="29" name="テキスト ボックス 28">
+            <a:extLst>
+              <a:ext uri="{FF2B5EF4-FFF2-40B4-BE49-F238E27FC236}">
+                <a16:creationId xmlns:a16="http://schemas.microsoft.com/office/drawing/2014/main" id="{9D324F01-009A-47EB-8190-3D3CD3BC037C}"/>
+              </a:ext>
+            </a:extLst>
+          </p:cNvPr>
+          <p:cNvSpPr txBox="1"/>
+          <p:nvPr/>
+        </p:nvSpPr>
+        <p:spPr>
+          <a:xfrm>
+            <a:off x="2879411" y="3349495"/>
+            <a:ext cx="492443" cy="276999"/>
+          </a:xfrm>
+          <a:prstGeom prst="rect">
+            <a:avLst/>
+          </a:prstGeom>
+          <a:noFill/>
+        </p:spPr>
+        <p:txBody>
+          <a:bodyPr wrap="none" rtlCol="0">
+            <a:spAutoFit/>
+          </a:bodyPr>
+          <a:lstStyle/>
+          <a:p>
+            <a:r>
+              <a:rPr kumimoji="1" lang="ja-JP" altLang="en-US" sz="1200"/>
+              <a:t>始点</a:t>
+            </a:r>
+          </a:p>
+        </p:txBody>
+      </p:sp>
+      <p:sp>
+        <p:nvSpPr>
+          <p:cNvPr id="30" name="テキスト ボックス 29">
+            <a:extLst>
+              <a:ext uri="{FF2B5EF4-FFF2-40B4-BE49-F238E27FC236}">
+                <a16:creationId xmlns:a16="http://schemas.microsoft.com/office/drawing/2014/main" id="{5D15880D-A501-4A06-9F4E-C86CAD5F1295}"/>
+              </a:ext>
+            </a:extLst>
+          </p:cNvPr>
+          <p:cNvSpPr txBox="1"/>
+          <p:nvPr/>
+        </p:nvSpPr>
+        <p:spPr>
+          <a:xfrm>
+            <a:off x="1720102" y="2094648"/>
+            <a:ext cx="492443" cy="276999"/>
+          </a:xfrm>
+          <a:prstGeom prst="rect">
+            <a:avLst/>
+          </a:prstGeom>
+          <a:noFill/>
+        </p:spPr>
+        <p:txBody>
+          <a:bodyPr wrap="none" rtlCol="0">
+            <a:spAutoFit/>
+          </a:bodyPr>
+          <a:lstStyle/>
+          <a:p>
+            <a:r>
+              <a:rPr lang="ja-JP" altLang="en-US" sz="1200"/>
+              <a:t>終点</a:t>
+            </a:r>
+            <a:endParaRPr kumimoji="1" lang="ja-JP" altLang="en-US" sz="1200"/>
+          </a:p>
+        </p:txBody>
+      </p:sp>
+      <p:cxnSp>
+        <p:nvCxnSpPr>
+          <p:cNvPr id="31" name="直線矢印コネクタ 30">
+            <a:extLst>
+              <a:ext uri="{FF2B5EF4-FFF2-40B4-BE49-F238E27FC236}">
+                <a16:creationId xmlns:a16="http://schemas.microsoft.com/office/drawing/2014/main" id="{35C41E98-1A2C-4D14-B42A-8D868655F09E}"/>
+              </a:ext>
+            </a:extLst>
+          </p:cNvPr>
+          <p:cNvCxnSpPr>
+            <a:cxnSpLocks/>
+          </p:cNvCxnSpPr>
+          <p:nvPr/>
+        </p:nvCxnSpPr>
+        <p:spPr>
+          <a:xfrm flipH="1">
+            <a:off x="2925711" y="2389694"/>
+            <a:ext cx="423652" cy="434586"/>
+          </a:xfrm>
+          <a:prstGeom prst="straightConnector1">
+            <a:avLst/>
+          </a:prstGeom>
+          <a:ln w="19050">
+            <a:solidFill>
+              <a:schemeClr val="tx1">
+                <a:lumMod val="50000"/>
+                <a:lumOff val="50000"/>
+              </a:schemeClr>
+            </a:solidFill>
+            <a:prstDash val="solid"/>
+            <a:headEnd type="none" w="med" len="med"/>
+            <a:tailEnd type="arrow" w="med" len="med"/>
+          </a:ln>
+        </p:spPr>
+        <p:style>
+          <a:lnRef idx="1">
+            <a:schemeClr val="accent1"/>
+          </a:lnRef>
+          <a:fillRef idx="0">
+            <a:schemeClr val="accent1"/>
+          </a:fillRef>
+          <a:effectRef idx="0">
+            <a:schemeClr val="accent1"/>
+          </a:effectRef>
+          <a:fontRef idx="minor">
+            <a:schemeClr val="tx1"/>
+          </a:fontRef>
+        </p:style>
+      </p:cxnSp>
+    </p:spTree>
+    <p:extLst>
+      <p:ext uri="{BB962C8B-B14F-4D97-AF65-F5344CB8AC3E}">
+        <p14:creationId xmlns:p14="http://schemas.microsoft.com/office/powerpoint/2010/main" val="771101209"/>
+      </p:ext>
+    </p:extLst>
+  </p:cSld>
+  <p:clrMapOvr>
+    <a:masterClrMapping/>
+  </p:clrMapOvr>
+</p:sld>
+</file>
+
+<file path=ppt/slides/slide2.xml><?xml version="1.0" encoding="utf-8"?>
+<p:sld xmlns:a="http://schemas.openxmlformats.org/drawingml/2006/main" xmlns:r="http://schemas.openxmlformats.org/officeDocument/2006/relationships" xmlns:p="http://schemas.openxmlformats.org/presentationml/2006/main">
+  <p:cSld>
+    <p:spTree>
+      <p:nvGrpSpPr>
+        <p:cNvPr id="1" name=""/>
+        <p:cNvGrpSpPr/>
+        <p:nvPr/>
+      </p:nvGrpSpPr>
+      <p:grpSpPr>
+        <a:xfrm>
+          <a:off x="0" y="0"/>
+          <a:ext cx="0" cy="0"/>
+          <a:chOff x="0" y="0"/>
+          <a:chExt cx="0" cy="0"/>
+        </a:xfrm>
+      </p:grpSpPr>
+      <p:sp>
+        <p:nvSpPr>
+          <p:cNvPr id="2" name="スライド番号プレースホルダー 1">
+            <a:extLst>
+              <a:ext uri="{FF2B5EF4-FFF2-40B4-BE49-F238E27FC236}">
+                <a16:creationId xmlns:a16="http://schemas.microsoft.com/office/drawing/2014/main" id="{6A3EF341-4EC6-494B-8EBB-950529C5506D}"/>
+              </a:ext>
+            </a:extLst>
+          </p:cNvPr>
+          <p:cNvSpPr>
+            <a:spLocks noGrp="1"/>
+          </p:cNvSpPr>
+          <p:nvPr>
+            <p:ph type="sldNum" sz="quarter" idx="12"/>
+          </p:nvPr>
+        </p:nvSpPr>
+        <p:spPr/>
+        <p:txBody>
+          <a:bodyPr/>
+          <a:lstStyle/>
+          <a:p>
+            <a:fld id="{54E8F7FD-0FB9-42CD-ACB3-7754F601E11E}" type="slidenum">
+              <a:rPr kumimoji="1" lang="ja-JP" altLang="en-US" smtClean="0"/>
+              <a:t>2</a:t>
+            </a:fld>
+            <a:endParaRPr kumimoji="1" lang="ja-JP" altLang="en-US"/>
+          </a:p>
+        </p:txBody>
+      </p:sp>
+      <p:sp>
+        <p:nvSpPr>
+          <p:cNvPr id="3" name="タイトル 2">
+            <a:extLst>
+              <a:ext uri="{FF2B5EF4-FFF2-40B4-BE49-F238E27FC236}">
+                <a16:creationId xmlns:a16="http://schemas.microsoft.com/office/drawing/2014/main" id="{D0B69B91-FD30-4B11-AE0E-EE10E00756AA}"/>
+              </a:ext>
+            </a:extLst>
+          </p:cNvPr>
+          <p:cNvSpPr>
+            <a:spLocks noGrp="1"/>
+          </p:cNvSpPr>
+          <p:nvPr>
+            <p:ph type="title"/>
+          </p:nvPr>
+        </p:nvSpPr>
+        <p:spPr/>
+        <p:txBody>
+          <a:bodyPr/>
+          <a:lstStyle/>
+          <a:p>
+            <a:endParaRPr kumimoji="1" lang="ja-JP" altLang="en-US"/>
+          </a:p>
+        </p:txBody>
+      </p:sp>
+      <p:sp>
+        <p:nvSpPr>
+          <p:cNvPr id="4" name="フッター プレースホルダー 3">
+            <a:extLst>
+              <a:ext uri="{FF2B5EF4-FFF2-40B4-BE49-F238E27FC236}">
+                <a16:creationId xmlns:a16="http://schemas.microsoft.com/office/drawing/2014/main" id="{B595D397-E477-4478-9584-1BE4ED7B9260}"/>
+              </a:ext>
+            </a:extLst>
+          </p:cNvPr>
+          <p:cNvSpPr>
+            <a:spLocks noGrp="1"/>
+          </p:cNvSpPr>
+          <p:nvPr>
+            <p:ph type="ftr" sz="quarter" idx="14"/>
+          </p:nvPr>
+        </p:nvSpPr>
+        <p:spPr/>
+        <p:txBody>
+          <a:bodyPr/>
+          <a:lstStyle/>
+          <a:p>
+            <a:endParaRPr lang="ja-JP" altLang="en-US"/>
+          </a:p>
+        </p:txBody>
+      </p:sp>
+      <p:sp>
+        <p:nvSpPr>
+          <p:cNvPr id="5" name="正方形/長方形 4">
+            <a:extLst>
+              <a:ext uri="{FF2B5EF4-FFF2-40B4-BE49-F238E27FC236}">
+                <a16:creationId xmlns:a16="http://schemas.microsoft.com/office/drawing/2014/main" id="{00F257BD-7416-4ED2-83C4-D5190C8FA596}"/>
+              </a:ext>
+            </a:extLst>
+          </p:cNvPr>
+          <p:cNvSpPr/>
+          <p:nvPr/>
+        </p:nvSpPr>
+        <p:spPr>
+          <a:xfrm>
+            <a:off x="2319306" y="2652365"/>
+            <a:ext cx="1655836" cy="1146028"/>
+          </a:xfrm>
+          <a:prstGeom prst="rect">
+            <a:avLst/>
+          </a:prstGeom>
+          <a:noFill/>
+          <a:ln w="28575">
+            <a:solidFill>
+              <a:schemeClr val="tx1"/>
+            </a:solidFill>
+          </a:ln>
+        </p:spPr>
+        <p:style>
+          <a:lnRef idx="2">
+            <a:schemeClr val="accent1">
+              <a:shade val="50000"/>
+            </a:schemeClr>
+          </a:lnRef>
+          <a:fillRef idx="1">
+            <a:schemeClr val="accent1"/>
+          </a:fillRef>
+          <a:effectRef idx="0">
+            <a:schemeClr val="accent1"/>
+          </a:effectRef>
+          <a:fontRef idx="minor">
+            <a:schemeClr val="lt1"/>
+          </a:fontRef>
+        </p:style>
+        <p:txBody>
+          <a:bodyPr rtlCol="0" anchor="ctr"/>
+          <a:lstStyle/>
+          <a:p>
+            <a:pPr algn="ctr"/>
+            <a:endParaRPr kumimoji="1" lang="ja-JP" altLang="en-US"/>
+          </a:p>
+        </p:txBody>
+      </p:sp>
+      <p:sp>
+        <p:nvSpPr>
+          <p:cNvPr id="6" name="楕円 5">
+            <a:extLst>
+              <a:ext uri="{FF2B5EF4-FFF2-40B4-BE49-F238E27FC236}">
+                <a16:creationId xmlns:a16="http://schemas.microsoft.com/office/drawing/2014/main" id="{2BC90D54-F11A-4CA1-9354-38EB3BEE6E94}"/>
+              </a:ext>
+            </a:extLst>
+          </p:cNvPr>
+          <p:cNvSpPr/>
+          <p:nvPr/>
+        </p:nvSpPr>
+        <p:spPr>
+          <a:xfrm>
+            <a:off x="2276917" y="2609976"/>
+            <a:ext cx="84778" cy="84778"/>
+          </a:xfrm>
+          <a:prstGeom prst="ellipse">
+            <a:avLst/>
+          </a:prstGeom>
+          <a:solidFill>
+            <a:srgbClr val="FF0000"/>
+          </a:solidFill>
+          <a:ln>
+            <a:noFill/>
+          </a:ln>
+        </p:spPr>
+        <p:style>
+          <a:lnRef idx="2">
+            <a:schemeClr val="accent1">
+              <a:shade val="50000"/>
+            </a:schemeClr>
+          </a:lnRef>
+          <a:fillRef idx="1">
+            <a:schemeClr val="accent1"/>
+          </a:fillRef>
+          <a:effectRef idx="0">
+            <a:schemeClr val="accent1"/>
+          </a:effectRef>
+          <a:fontRef idx="minor">
+            <a:schemeClr val="lt1"/>
+          </a:fontRef>
+        </p:style>
+        <p:txBody>
+          <a:bodyPr rtlCol="0" anchor="ctr"/>
+          <a:lstStyle/>
+          <a:p>
+            <a:pPr algn="ctr"/>
+            <a:endParaRPr kumimoji="1" lang="ja-JP" altLang="en-US"/>
+          </a:p>
+        </p:txBody>
+      </p:sp>
+      <p:cxnSp>
+        <p:nvCxnSpPr>
+          <p:cNvPr id="8" name="直線矢印コネクタ 7">
+            <a:extLst>
+              <a:ext uri="{FF2B5EF4-FFF2-40B4-BE49-F238E27FC236}">
+                <a16:creationId xmlns:a16="http://schemas.microsoft.com/office/drawing/2014/main" id="{2EDFDC31-14A7-4396-95E5-DAF8E03426A4}"/>
+              </a:ext>
+            </a:extLst>
+          </p:cNvPr>
+          <p:cNvCxnSpPr>
+            <a:cxnSpLocks/>
+          </p:cNvCxnSpPr>
+          <p:nvPr/>
+        </p:nvCxnSpPr>
+        <p:spPr>
+          <a:xfrm>
+            <a:off x="2313253" y="2403074"/>
+            <a:ext cx="1667945" cy="0"/>
+          </a:xfrm>
+          <a:prstGeom prst="straightConnector1">
+            <a:avLst/>
+          </a:prstGeom>
+          <a:ln w="19050">
+            <a:solidFill>
+              <a:srgbClr val="FF0000"/>
+            </a:solidFill>
+            <a:headEnd type="triangle"/>
+            <a:tailEnd type="triangle"/>
+          </a:ln>
+        </p:spPr>
+        <p:style>
+          <a:lnRef idx="1">
+            <a:schemeClr val="accent1"/>
+          </a:lnRef>
+          <a:fillRef idx="0">
+            <a:schemeClr val="accent1"/>
+          </a:fillRef>
+          <a:effectRef idx="0">
+            <a:schemeClr val="accent1"/>
+          </a:effectRef>
+          <a:fontRef idx="minor">
+            <a:schemeClr val="tx1"/>
+          </a:fontRef>
+        </p:style>
+      </p:cxnSp>
+      <p:cxnSp>
+        <p:nvCxnSpPr>
+          <p:cNvPr id="12" name="直線矢印コネクタ 11">
+            <a:extLst>
+              <a:ext uri="{FF2B5EF4-FFF2-40B4-BE49-F238E27FC236}">
+                <a16:creationId xmlns:a16="http://schemas.microsoft.com/office/drawing/2014/main" id="{2A5DAD3B-A309-4B79-949A-6A35EE1BC7D1}"/>
+              </a:ext>
+            </a:extLst>
+          </p:cNvPr>
+          <p:cNvCxnSpPr>
+            <a:cxnSpLocks/>
+          </p:cNvCxnSpPr>
+          <p:nvPr/>
+        </p:nvCxnSpPr>
+        <p:spPr>
+          <a:xfrm>
+            <a:off x="2089952" y="2641264"/>
+            <a:ext cx="0" cy="1169241"/>
+          </a:xfrm>
+          <a:prstGeom prst="straightConnector1">
+            <a:avLst/>
+          </a:prstGeom>
+          <a:ln w="19050">
+            <a:solidFill>
+              <a:srgbClr val="FF0000"/>
+            </a:solidFill>
+            <a:headEnd type="triangle"/>
+            <a:tailEnd type="triangle"/>
+          </a:ln>
+        </p:spPr>
+        <p:style>
+          <a:lnRef idx="1">
+            <a:schemeClr val="accent1"/>
+          </a:lnRef>
+          <a:fillRef idx="0">
+            <a:schemeClr val="accent1"/>
+          </a:fillRef>
+          <a:effectRef idx="0">
+            <a:schemeClr val="accent1"/>
+          </a:effectRef>
+          <a:fontRef idx="minor">
+            <a:schemeClr val="tx1"/>
+          </a:fontRef>
+        </p:style>
+      </p:cxnSp>
+      <p:cxnSp>
+        <p:nvCxnSpPr>
+          <p:cNvPr id="15" name="直線コネクタ 14">
+            <a:extLst>
+              <a:ext uri="{FF2B5EF4-FFF2-40B4-BE49-F238E27FC236}">
+                <a16:creationId xmlns:a16="http://schemas.microsoft.com/office/drawing/2014/main" id="{B56E3CB6-30F9-40D3-B637-06D7F07BF07B}"/>
+              </a:ext>
+            </a:extLst>
+          </p:cNvPr>
+          <p:cNvCxnSpPr>
+            <a:cxnSpLocks/>
+            <a:stCxn id="6" idx="2"/>
+          </p:cNvCxnSpPr>
+          <p:nvPr/>
+        </p:nvCxnSpPr>
+        <p:spPr>
+          <a:xfrm flipH="1">
+            <a:off x="2072036" y="2652365"/>
+            <a:ext cx="204881" cy="0"/>
+          </a:xfrm>
+          <a:prstGeom prst="line">
+            <a:avLst/>
+          </a:prstGeom>
+          <a:ln w="19050">
+            <a:solidFill>
+              <a:srgbClr val="FF0000"/>
+            </a:solidFill>
+            <a:prstDash val="sysDot"/>
+          </a:ln>
+        </p:spPr>
+        <p:style>
+          <a:lnRef idx="1">
+            <a:schemeClr val="accent1"/>
+          </a:lnRef>
+          <a:fillRef idx="0">
+            <a:schemeClr val="accent1"/>
+          </a:fillRef>
+          <a:effectRef idx="0">
+            <a:schemeClr val="accent1"/>
+          </a:effectRef>
+          <a:fontRef idx="minor">
+            <a:schemeClr val="tx1"/>
+          </a:fontRef>
+        </p:style>
+      </p:cxnSp>
+      <p:cxnSp>
+        <p:nvCxnSpPr>
+          <p:cNvPr id="17" name="直線コネクタ 16">
+            <a:extLst>
+              <a:ext uri="{FF2B5EF4-FFF2-40B4-BE49-F238E27FC236}">
+                <a16:creationId xmlns:a16="http://schemas.microsoft.com/office/drawing/2014/main" id="{3C6A4662-E030-4D3B-B638-AB837FB479DE}"/>
+              </a:ext>
+            </a:extLst>
+          </p:cNvPr>
+          <p:cNvCxnSpPr>
+            <a:cxnSpLocks/>
+          </p:cNvCxnSpPr>
+          <p:nvPr/>
+        </p:nvCxnSpPr>
+        <p:spPr>
+          <a:xfrm flipH="1">
+            <a:off x="2107108" y="3798393"/>
+            <a:ext cx="204881" cy="0"/>
+          </a:xfrm>
+          <a:prstGeom prst="line">
+            <a:avLst/>
+          </a:prstGeom>
+          <a:ln w="19050">
+            <a:solidFill>
+              <a:srgbClr val="FF0000"/>
+            </a:solidFill>
+            <a:prstDash val="sysDot"/>
+          </a:ln>
+        </p:spPr>
+        <p:style>
+          <a:lnRef idx="1">
+            <a:schemeClr val="accent1"/>
+          </a:lnRef>
+          <a:fillRef idx="0">
+            <a:schemeClr val="accent1"/>
+          </a:fillRef>
+          <a:effectRef idx="0">
+            <a:schemeClr val="accent1"/>
+          </a:effectRef>
+          <a:fontRef idx="minor">
+            <a:schemeClr val="tx1"/>
+          </a:fontRef>
+        </p:style>
+      </p:cxnSp>
+      <p:cxnSp>
+        <p:nvCxnSpPr>
+          <p:cNvPr id="18" name="直線コネクタ 17">
+            <a:extLst>
+              <a:ext uri="{FF2B5EF4-FFF2-40B4-BE49-F238E27FC236}">
+                <a16:creationId xmlns:a16="http://schemas.microsoft.com/office/drawing/2014/main" id="{69F4C889-7CC4-4E0B-AF13-B22CDE6FCDA0}"/>
+              </a:ext>
+            </a:extLst>
+          </p:cNvPr>
+          <p:cNvCxnSpPr>
+            <a:cxnSpLocks/>
+          </p:cNvCxnSpPr>
+          <p:nvPr/>
+        </p:nvCxnSpPr>
+        <p:spPr>
+          <a:xfrm>
+            <a:off x="2319306" y="2391973"/>
+            <a:ext cx="0" cy="249291"/>
+          </a:xfrm>
+          <a:prstGeom prst="line">
+            <a:avLst/>
+          </a:prstGeom>
+          <a:ln w="19050">
+            <a:solidFill>
+              <a:srgbClr val="FF0000"/>
+            </a:solidFill>
+            <a:prstDash val="sysDot"/>
+          </a:ln>
+        </p:spPr>
+        <p:style>
+          <a:lnRef idx="1">
+            <a:schemeClr val="accent1"/>
+          </a:lnRef>
+          <a:fillRef idx="0">
+            <a:schemeClr val="accent1"/>
+          </a:fillRef>
+          <a:effectRef idx="0">
+            <a:schemeClr val="accent1"/>
+          </a:effectRef>
+          <a:fontRef idx="minor">
+            <a:schemeClr val="tx1"/>
+          </a:fontRef>
+        </p:style>
+      </p:cxnSp>
+      <p:cxnSp>
+        <p:nvCxnSpPr>
+          <p:cNvPr id="21" name="直線コネクタ 20">
+            <a:extLst>
+              <a:ext uri="{FF2B5EF4-FFF2-40B4-BE49-F238E27FC236}">
+                <a16:creationId xmlns:a16="http://schemas.microsoft.com/office/drawing/2014/main" id="{D966E2B0-0AA5-4F9D-AE26-91A602C52F67}"/>
+              </a:ext>
+            </a:extLst>
+          </p:cNvPr>
+          <p:cNvCxnSpPr>
+            <a:cxnSpLocks/>
+          </p:cNvCxnSpPr>
+          <p:nvPr/>
+        </p:nvCxnSpPr>
+        <p:spPr>
+          <a:xfrm>
+            <a:off x="3975142" y="2403074"/>
+            <a:ext cx="0" cy="249291"/>
+          </a:xfrm>
+          <a:prstGeom prst="line">
+            <a:avLst/>
+          </a:prstGeom>
+          <a:ln w="19050">
+            <a:solidFill>
+              <a:srgbClr val="FF0000"/>
+            </a:solidFill>
+            <a:prstDash val="sysDot"/>
+          </a:ln>
+        </p:spPr>
+        <p:style>
+          <a:lnRef idx="1">
+            <a:schemeClr val="accent1"/>
+          </a:lnRef>
+          <a:fillRef idx="0">
+            <a:schemeClr val="accent1"/>
+          </a:fillRef>
+          <a:effectRef idx="0">
+            <a:schemeClr val="accent1"/>
+          </a:effectRef>
+          <a:fontRef idx="minor">
+            <a:schemeClr val="tx1"/>
+          </a:fontRef>
+        </p:style>
+      </p:cxnSp>
+    </p:spTree>
+    <p:extLst>
+      <p:ext uri="{BB962C8B-B14F-4D97-AF65-F5344CB8AC3E}">
+        <p14:creationId xmlns:p14="http://schemas.microsoft.com/office/powerpoint/2010/main" val="1563449804"/>
+      </p:ext>
+    </p:extLst>
+  </p:cSld>
+  <p:clrMapOvr>
+    <a:masterClrMapping/>
+  </p:clrMapOvr>
+</p:sld>
+</file>
+
+<file path=ppt/slides/slide3.xml><?xml version="1.0" encoding="utf-8"?>
+<p:sld xmlns:a="http://schemas.openxmlformats.org/drawingml/2006/main" xmlns:r="http://schemas.openxmlformats.org/officeDocument/2006/relationships" xmlns:p="http://schemas.openxmlformats.org/presentationml/2006/main">
+  <p:cSld>
+    <p:spTree>
+      <p:nvGrpSpPr>
+        <p:cNvPr id="1" name=""/>
+        <p:cNvGrpSpPr/>
+        <p:nvPr/>
+      </p:nvGrpSpPr>
+      <p:grpSpPr>
+        <a:xfrm>
+          <a:off x="0" y="0"/>
+          <a:ext cx="0" cy="0"/>
+          <a:chOff x="0" y="0"/>
+          <a:chExt cx="0" cy="0"/>
+        </a:xfrm>
+      </p:grpSpPr>
+      <p:sp>
+        <p:nvSpPr>
+          <p:cNvPr id="2" name="スライド番号プレースホルダー 1">
+            <a:extLst>
+              <a:ext uri="{FF2B5EF4-FFF2-40B4-BE49-F238E27FC236}">
+                <a16:creationId xmlns:a16="http://schemas.microsoft.com/office/drawing/2014/main" id="{6A3EF341-4EC6-494B-8EBB-950529C5506D}"/>
+              </a:ext>
+            </a:extLst>
+          </p:cNvPr>
+          <p:cNvSpPr>
+            <a:spLocks noGrp="1"/>
+          </p:cNvSpPr>
+          <p:nvPr>
+            <p:ph type="sldNum" sz="quarter" idx="12"/>
+          </p:nvPr>
+        </p:nvSpPr>
+        <p:spPr/>
+        <p:txBody>
+          <a:bodyPr/>
+          <a:lstStyle/>
+          <a:p>
+            <a:fld id="{54E8F7FD-0FB9-42CD-ACB3-7754F601E11E}" type="slidenum">
+              <a:rPr kumimoji="1" lang="ja-JP" altLang="en-US" smtClean="0"/>
+              <a:t>3</a:t>
+            </a:fld>
+            <a:endParaRPr kumimoji="1" lang="ja-JP" altLang="en-US"/>
+          </a:p>
+        </p:txBody>
+      </p:sp>
+      <p:sp>
+        <p:nvSpPr>
+          <p:cNvPr id="3" name="タイトル 2">
+            <a:extLst>
+              <a:ext uri="{FF2B5EF4-FFF2-40B4-BE49-F238E27FC236}">
+                <a16:creationId xmlns:a16="http://schemas.microsoft.com/office/drawing/2014/main" id="{D0B69B91-FD30-4B11-AE0E-EE10E00756AA}"/>
+              </a:ext>
+            </a:extLst>
+          </p:cNvPr>
+          <p:cNvSpPr>
+            <a:spLocks noGrp="1"/>
+          </p:cNvSpPr>
+          <p:nvPr>
+            <p:ph type="title"/>
+          </p:nvPr>
+        </p:nvSpPr>
+        <p:spPr/>
+        <p:txBody>
+          <a:bodyPr/>
+          <a:lstStyle/>
+          <a:p>
+            <a:endParaRPr kumimoji="1" lang="ja-JP" altLang="en-US"/>
+          </a:p>
+        </p:txBody>
+      </p:sp>
+      <p:sp>
+        <p:nvSpPr>
+          <p:cNvPr id="4" name="フッター プレースホルダー 3">
+            <a:extLst>
+              <a:ext uri="{FF2B5EF4-FFF2-40B4-BE49-F238E27FC236}">
+                <a16:creationId xmlns:a16="http://schemas.microsoft.com/office/drawing/2014/main" id="{B595D397-E477-4478-9584-1BE4ED7B9260}"/>
+              </a:ext>
+            </a:extLst>
+          </p:cNvPr>
+          <p:cNvSpPr>
+            <a:spLocks noGrp="1"/>
+          </p:cNvSpPr>
+          <p:nvPr>
+            <p:ph type="ftr" sz="quarter" idx="14"/>
+          </p:nvPr>
+        </p:nvSpPr>
+        <p:spPr/>
+        <p:txBody>
+          <a:bodyPr/>
+          <a:lstStyle/>
+          <a:p>
+            <a:endParaRPr lang="ja-JP" altLang="en-US"/>
+          </a:p>
+        </p:txBody>
+      </p:sp>
+      <p:sp>
+        <p:nvSpPr>
+          <p:cNvPr id="5" name="正方形/長方形 4">
+            <a:extLst>
+              <a:ext uri="{FF2B5EF4-FFF2-40B4-BE49-F238E27FC236}">
+                <a16:creationId xmlns:a16="http://schemas.microsoft.com/office/drawing/2014/main" id="{00F257BD-7416-4ED2-83C4-D5190C8FA596}"/>
+              </a:ext>
+            </a:extLst>
+          </p:cNvPr>
+          <p:cNvSpPr/>
+          <p:nvPr/>
+        </p:nvSpPr>
+        <p:spPr>
+          <a:xfrm>
+            <a:off x="2319306" y="2652365"/>
+            <a:ext cx="1655836" cy="1146028"/>
+          </a:xfrm>
+          <a:prstGeom prst="rect">
+            <a:avLst/>
+          </a:prstGeom>
+          <a:noFill/>
+          <a:ln w="28575">
+            <a:solidFill>
+              <a:schemeClr val="tx1"/>
+            </a:solidFill>
+          </a:ln>
+        </p:spPr>
+        <p:style>
+          <a:lnRef idx="2">
+            <a:schemeClr val="accent1">
+              <a:shade val="50000"/>
+            </a:schemeClr>
+          </a:lnRef>
+          <a:fillRef idx="1">
+            <a:schemeClr val="accent1"/>
+          </a:fillRef>
+          <a:effectRef idx="0">
+            <a:schemeClr val="accent1"/>
+          </a:effectRef>
+          <a:fontRef idx="minor">
+            <a:schemeClr val="lt1"/>
+          </a:fontRef>
+        </p:style>
+        <p:txBody>
+          <a:bodyPr rtlCol="0" anchor="ctr"/>
+          <a:lstStyle/>
+          <a:p>
+            <a:pPr algn="ctr"/>
+            <a:endParaRPr kumimoji="1" lang="ja-JP" altLang="en-US"/>
+          </a:p>
+        </p:txBody>
+      </p:sp>
+      <p:sp>
+        <p:nvSpPr>
+          <p:cNvPr id="6" name="楕円 5">
+            <a:extLst>
+              <a:ext uri="{FF2B5EF4-FFF2-40B4-BE49-F238E27FC236}">
+                <a16:creationId xmlns:a16="http://schemas.microsoft.com/office/drawing/2014/main" id="{2BC90D54-F11A-4CA1-9354-38EB3BEE6E94}"/>
+              </a:ext>
+            </a:extLst>
+          </p:cNvPr>
+          <p:cNvSpPr/>
+          <p:nvPr/>
+        </p:nvSpPr>
+        <p:spPr>
+          <a:xfrm>
+            <a:off x="3104835" y="3184422"/>
+            <a:ext cx="84778" cy="84778"/>
+          </a:xfrm>
+          <a:prstGeom prst="ellipse">
+            <a:avLst/>
+          </a:prstGeom>
+          <a:solidFill>
+            <a:srgbClr val="FF0000"/>
+          </a:solidFill>
+          <a:ln>
+            <a:noFill/>
+          </a:ln>
+        </p:spPr>
+        <p:style>
+          <a:lnRef idx="2">
+            <a:schemeClr val="accent1">
+              <a:shade val="50000"/>
+            </a:schemeClr>
+          </a:lnRef>
+          <a:fillRef idx="1">
+            <a:schemeClr val="accent1"/>
+          </a:fillRef>
+          <a:effectRef idx="0">
+            <a:schemeClr val="accent1"/>
+          </a:effectRef>
+          <a:fontRef idx="minor">
+            <a:schemeClr val="lt1"/>
+          </a:fontRef>
+        </p:style>
+        <p:txBody>
+          <a:bodyPr rtlCol="0" anchor="ctr"/>
+          <a:lstStyle/>
+          <a:p>
+            <a:pPr algn="ctr"/>
+            <a:endParaRPr kumimoji="1" lang="ja-JP" altLang="en-US"/>
+          </a:p>
+        </p:txBody>
+      </p:sp>
+      <p:cxnSp>
+        <p:nvCxnSpPr>
+          <p:cNvPr id="8" name="直線矢印コネクタ 7">
+            <a:extLst>
+              <a:ext uri="{FF2B5EF4-FFF2-40B4-BE49-F238E27FC236}">
+                <a16:creationId xmlns:a16="http://schemas.microsoft.com/office/drawing/2014/main" id="{2EDFDC31-14A7-4396-95E5-DAF8E03426A4}"/>
+              </a:ext>
+            </a:extLst>
+          </p:cNvPr>
+          <p:cNvCxnSpPr>
+            <a:cxnSpLocks/>
+          </p:cNvCxnSpPr>
+          <p:nvPr/>
+        </p:nvCxnSpPr>
+        <p:spPr>
+          <a:xfrm>
+            <a:off x="2313253" y="2403074"/>
+            <a:ext cx="1667945" cy="0"/>
+          </a:xfrm>
+          <a:prstGeom prst="straightConnector1">
+            <a:avLst/>
+          </a:prstGeom>
+          <a:ln w="19050">
+            <a:solidFill>
+              <a:srgbClr val="FF0000"/>
+            </a:solidFill>
+            <a:headEnd type="triangle"/>
+            <a:tailEnd type="triangle"/>
+          </a:ln>
+        </p:spPr>
+        <p:style>
+          <a:lnRef idx="1">
+            <a:schemeClr val="accent1"/>
+          </a:lnRef>
+          <a:fillRef idx="0">
+            <a:schemeClr val="accent1"/>
+          </a:fillRef>
+          <a:effectRef idx="0">
+            <a:schemeClr val="accent1"/>
+          </a:effectRef>
+          <a:fontRef idx="minor">
+            <a:schemeClr val="tx1"/>
+          </a:fontRef>
+        </p:style>
+      </p:cxnSp>
+      <p:cxnSp>
+        <p:nvCxnSpPr>
+          <p:cNvPr id="12" name="直線矢印コネクタ 11">
+            <a:extLst>
+              <a:ext uri="{FF2B5EF4-FFF2-40B4-BE49-F238E27FC236}">
+                <a16:creationId xmlns:a16="http://schemas.microsoft.com/office/drawing/2014/main" id="{2A5DAD3B-A309-4B79-949A-6A35EE1BC7D1}"/>
+              </a:ext>
+            </a:extLst>
+          </p:cNvPr>
+          <p:cNvCxnSpPr>
+            <a:cxnSpLocks/>
+          </p:cNvCxnSpPr>
+          <p:nvPr/>
+        </p:nvCxnSpPr>
+        <p:spPr>
+          <a:xfrm>
+            <a:off x="2089952" y="2641264"/>
+            <a:ext cx="0" cy="1169241"/>
+          </a:xfrm>
+          <a:prstGeom prst="straightConnector1">
+            <a:avLst/>
+          </a:prstGeom>
+          <a:ln w="19050">
+            <a:solidFill>
+              <a:srgbClr val="FF0000"/>
+            </a:solidFill>
+            <a:headEnd type="triangle"/>
+            <a:tailEnd type="triangle"/>
+          </a:ln>
+        </p:spPr>
+        <p:style>
+          <a:lnRef idx="1">
+            <a:schemeClr val="accent1"/>
+          </a:lnRef>
+          <a:fillRef idx="0">
+            <a:schemeClr val="accent1"/>
+          </a:fillRef>
+          <a:effectRef idx="0">
+            <a:schemeClr val="accent1"/>
+          </a:effectRef>
+          <a:fontRef idx="minor">
+            <a:schemeClr val="tx1"/>
+          </a:fontRef>
+        </p:style>
+      </p:cxnSp>
+      <p:cxnSp>
+        <p:nvCxnSpPr>
+          <p:cNvPr id="9" name="直線コネクタ 8">
+            <a:extLst>
+              <a:ext uri="{FF2B5EF4-FFF2-40B4-BE49-F238E27FC236}">
+                <a16:creationId xmlns:a16="http://schemas.microsoft.com/office/drawing/2014/main" id="{1309BAE7-B807-4830-BF38-D6CC2DC1B6C3}"/>
+              </a:ext>
+            </a:extLst>
+          </p:cNvPr>
+          <p:cNvCxnSpPr>
+            <a:cxnSpLocks/>
+          </p:cNvCxnSpPr>
+          <p:nvPr/>
+        </p:nvCxnSpPr>
+        <p:spPr>
+          <a:xfrm flipH="1">
+            <a:off x="2072036" y="2652365"/>
+            <a:ext cx="204881" cy="0"/>
+          </a:xfrm>
+          <a:prstGeom prst="line">
+            <a:avLst/>
+          </a:prstGeom>
+          <a:ln w="19050">
+            <a:solidFill>
+              <a:srgbClr val="FF0000"/>
+            </a:solidFill>
+            <a:prstDash val="sysDot"/>
+          </a:ln>
+        </p:spPr>
+        <p:style>
+          <a:lnRef idx="1">
+            <a:schemeClr val="accent1"/>
+          </a:lnRef>
+          <a:fillRef idx="0">
+            <a:schemeClr val="accent1"/>
+          </a:fillRef>
+          <a:effectRef idx="0">
+            <a:schemeClr val="accent1"/>
+          </a:effectRef>
+          <a:fontRef idx="minor">
+            <a:schemeClr val="tx1"/>
+          </a:fontRef>
+        </p:style>
+      </p:cxnSp>
+      <p:cxnSp>
+        <p:nvCxnSpPr>
+          <p:cNvPr id="10" name="直線コネクタ 9">
+            <a:extLst>
+              <a:ext uri="{FF2B5EF4-FFF2-40B4-BE49-F238E27FC236}">
+                <a16:creationId xmlns:a16="http://schemas.microsoft.com/office/drawing/2014/main" id="{5E716412-0ECD-42C1-85C8-FE4BCFF4D045}"/>
+              </a:ext>
+            </a:extLst>
+          </p:cNvPr>
+          <p:cNvCxnSpPr>
+            <a:cxnSpLocks/>
+          </p:cNvCxnSpPr>
+          <p:nvPr/>
+        </p:nvCxnSpPr>
+        <p:spPr>
+          <a:xfrm flipH="1">
+            <a:off x="2107108" y="3798393"/>
+            <a:ext cx="204881" cy="0"/>
+          </a:xfrm>
+          <a:prstGeom prst="line">
+            <a:avLst/>
+          </a:prstGeom>
+          <a:ln w="19050">
+            <a:solidFill>
+              <a:srgbClr val="FF0000"/>
+            </a:solidFill>
+            <a:prstDash val="sysDot"/>
+          </a:ln>
+        </p:spPr>
+        <p:style>
+          <a:lnRef idx="1">
+            <a:schemeClr val="accent1"/>
+          </a:lnRef>
+          <a:fillRef idx="0">
+            <a:schemeClr val="accent1"/>
+          </a:fillRef>
+          <a:effectRef idx="0">
+            <a:schemeClr val="accent1"/>
+          </a:effectRef>
+          <a:fontRef idx="minor">
+            <a:schemeClr val="tx1"/>
+          </a:fontRef>
+        </p:style>
+      </p:cxnSp>
+      <p:cxnSp>
+        <p:nvCxnSpPr>
+          <p:cNvPr id="11" name="直線コネクタ 10">
+            <a:extLst>
+              <a:ext uri="{FF2B5EF4-FFF2-40B4-BE49-F238E27FC236}">
+                <a16:creationId xmlns:a16="http://schemas.microsoft.com/office/drawing/2014/main" id="{88CCB57F-C539-4B46-901A-E0D8ECBF111A}"/>
+              </a:ext>
+            </a:extLst>
+          </p:cNvPr>
+          <p:cNvCxnSpPr>
+            <a:cxnSpLocks/>
+          </p:cNvCxnSpPr>
+          <p:nvPr/>
+        </p:nvCxnSpPr>
+        <p:spPr>
+          <a:xfrm>
+            <a:off x="2319306" y="2391973"/>
+            <a:ext cx="0" cy="249291"/>
+          </a:xfrm>
+          <a:prstGeom prst="line">
+            <a:avLst/>
+          </a:prstGeom>
+          <a:ln w="19050">
+            <a:solidFill>
+              <a:srgbClr val="FF0000"/>
+            </a:solidFill>
+            <a:prstDash val="sysDot"/>
+          </a:ln>
+        </p:spPr>
+        <p:style>
+          <a:lnRef idx="1">
+            <a:schemeClr val="accent1"/>
+          </a:lnRef>
+          <a:fillRef idx="0">
+            <a:schemeClr val="accent1"/>
+          </a:fillRef>
+          <a:effectRef idx="0">
+            <a:schemeClr val="accent1"/>
+          </a:effectRef>
+          <a:fontRef idx="minor">
+            <a:schemeClr val="tx1"/>
+          </a:fontRef>
+        </p:style>
+      </p:cxnSp>
+      <p:cxnSp>
+        <p:nvCxnSpPr>
+          <p:cNvPr id="13" name="直線コネクタ 12">
+            <a:extLst>
+              <a:ext uri="{FF2B5EF4-FFF2-40B4-BE49-F238E27FC236}">
+                <a16:creationId xmlns:a16="http://schemas.microsoft.com/office/drawing/2014/main" id="{40CFA6C8-34AD-4AAC-BADF-275C0C6CFB4F}"/>
+              </a:ext>
+            </a:extLst>
+          </p:cNvPr>
+          <p:cNvCxnSpPr>
+            <a:cxnSpLocks/>
+          </p:cNvCxnSpPr>
+          <p:nvPr/>
+        </p:nvCxnSpPr>
+        <p:spPr>
+          <a:xfrm>
+            <a:off x="3975142" y="2403074"/>
+            <a:ext cx="0" cy="249291"/>
+          </a:xfrm>
+          <a:prstGeom prst="line">
+            <a:avLst/>
+          </a:prstGeom>
+          <a:ln w="19050">
+            <a:solidFill>
+              <a:srgbClr val="FF0000"/>
+            </a:solidFill>
+            <a:prstDash val="sysDot"/>
+          </a:ln>
+        </p:spPr>
+        <p:style>
+          <a:lnRef idx="1">
+            <a:schemeClr val="accent1"/>
+          </a:lnRef>
+          <a:fillRef idx="0">
+            <a:schemeClr val="accent1"/>
+          </a:fillRef>
+          <a:effectRef idx="0">
+            <a:schemeClr val="accent1"/>
+          </a:effectRef>
+          <a:fontRef idx="minor">
+            <a:schemeClr val="tx1"/>
+          </a:fontRef>
+        </p:style>
+      </p:cxnSp>
+    </p:spTree>
+    <p:extLst>
+      <p:ext uri="{BB962C8B-B14F-4D97-AF65-F5344CB8AC3E}">
+        <p14:creationId xmlns:p14="http://schemas.microsoft.com/office/powerpoint/2010/main" val="934852211"/>
+      </p:ext>
+    </p:extLst>
+  </p:cSld>
+  <p:clrMapOvr>
+    <a:masterClrMapping/>
+  </p:clrMapOvr>
+</p:sld>
+</file>
+
+<file path=ppt/slides/slide4.xml><?xml version="1.0" encoding="utf-8"?>
+<p:sld xmlns:a="http://schemas.openxmlformats.org/drawingml/2006/main" xmlns:r="http://schemas.openxmlformats.org/officeDocument/2006/relationships" xmlns:p="http://schemas.openxmlformats.org/presentationml/2006/main">
+  <p:cSld>
+    <p:spTree>
+      <p:nvGrpSpPr>
+        <p:cNvPr id="1" name=""/>
+        <p:cNvGrpSpPr/>
+        <p:nvPr/>
+      </p:nvGrpSpPr>
+      <p:grpSpPr>
+        <a:xfrm>
+          <a:off x="0" y="0"/>
+          <a:ext cx="0" cy="0"/>
+          <a:chOff x="0" y="0"/>
+          <a:chExt cx="0" cy="0"/>
+        </a:xfrm>
+      </p:grpSpPr>
+      <p:sp>
+        <p:nvSpPr>
+          <p:cNvPr id="2" name="スライド番号プレースホルダー 1">
+            <a:extLst>
+              <a:ext uri="{FF2B5EF4-FFF2-40B4-BE49-F238E27FC236}">
+                <a16:creationId xmlns:a16="http://schemas.microsoft.com/office/drawing/2014/main" id="{6A3EF341-4EC6-494B-8EBB-950529C5506D}"/>
+              </a:ext>
+            </a:extLst>
+          </p:cNvPr>
+          <p:cNvSpPr>
+            <a:spLocks noGrp="1"/>
+          </p:cNvSpPr>
+          <p:nvPr>
+            <p:ph type="sldNum" sz="quarter" idx="12"/>
+          </p:nvPr>
+        </p:nvSpPr>
+        <p:spPr/>
+        <p:txBody>
+          <a:bodyPr/>
+          <a:lstStyle/>
+          <a:p>
+            <a:fld id="{54E8F7FD-0FB9-42CD-ACB3-7754F601E11E}" type="slidenum">
+              <a:rPr kumimoji="1" lang="ja-JP" altLang="en-US" smtClean="0"/>
+              <a:t>4</a:t>
+            </a:fld>
+            <a:endParaRPr kumimoji="1" lang="ja-JP" altLang="en-US"/>
+          </a:p>
+        </p:txBody>
+      </p:sp>
+      <p:sp>
+        <p:nvSpPr>
+          <p:cNvPr id="3" name="タイトル 2">
+            <a:extLst>
+              <a:ext uri="{FF2B5EF4-FFF2-40B4-BE49-F238E27FC236}">
+                <a16:creationId xmlns:a16="http://schemas.microsoft.com/office/drawing/2014/main" id="{D0B69B91-FD30-4B11-AE0E-EE10E00756AA}"/>
+              </a:ext>
+            </a:extLst>
+          </p:cNvPr>
+          <p:cNvSpPr>
+            <a:spLocks noGrp="1"/>
+          </p:cNvSpPr>
+          <p:nvPr>
+            <p:ph type="title"/>
+          </p:nvPr>
+        </p:nvSpPr>
+        <p:spPr/>
+        <p:txBody>
+          <a:bodyPr/>
+          <a:lstStyle/>
+          <a:p>
+            <a:endParaRPr kumimoji="1" lang="ja-JP" altLang="en-US"/>
+          </a:p>
+        </p:txBody>
+      </p:sp>
+      <p:sp>
+        <p:nvSpPr>
+          <p:cNvPr id="4" name="フッター プレースホルダー 3">
+            <a:extLst>
+              <a:ext uri="{FF2B5EF4-FFF2-40B4-BE49-F238E27FC236}">
+                <a16:creationId xmlns:a16="http://schemas.microsoft.com/office/drawing/2014/main" id="{B595D397-E477-4478-9584-1BE4ED7B9260}"/>
+              </a:ext>
+            </a:extLst>
+          </p:cNvPr>
+          <p:cNvSpPr>
+            <a:spLocks noGrp="1"/>
+          </p:cNvSpPr>
+          <p:nvPr>
+            <p:ph type="ftr" sz="quarter" idx="14"/>
+          </p:nvPr>
+        </p:nvSpPr>
+        <p:spPr/>
+        <p:txBody>
+          <a:bodyPr/>
+          <a:lstStyle/>
+          <a:p>
+            <a:endParaRPr lang="ja-JP" altLang="en-US"/>
+          </a:p>
+        </p:txBody>
+      </p:sp>
+      <p:sp>
+        <p:nvSpPr>
+          <p:cNvPr id="5" name="正方形/長方形 4">
+            <a:extLst>
+              <a:ext uri="{FF2B5EF4-FFF2-40B4-BE49-F238E27FC236}">
+                <a16:creationId xmlns:a16="http://schemas.microsoft.com/office/drawing/2014/main" id="{00F257BD-7416-4ED2-83C4-D5190C8FA596}"/>
+              </a:ext>
+            </a:extLst>
+          </p:cNvPr>
+          <p:cNvSpPr/>
+          <p:nvPr/>
+        </p:nvSpPr>
+        <p:spPr>
+          <a:xfrm>
+            <a:off x="2319306" y="2652365"/>
+            <a:ext cx="1655836" cy="1146028"/>
+          </a:xfrm>
+          <a:prstGeom prst="rect">
+            <a:avLst/>
+          </a:prstGeom>
+          <a:noFill/>
+          <a:ln w="28575">
+            <a:solidFill>
+              <a:schemeClr val="tx1"/>
+            </a:solidFill>
+          </a:ln>
+        </p:spPr>
+        <p:style>
+          <a:lnRef idx="2">
+            <a:schemeClr val="accent1">
+              <a:shade val="50000"/>
+            </a:schemeClr>
+          </a:lnRef>
+          <a:fillRef idx="1">
+            <a:schemeClr val="accent1"/>
+          </a:fillRef>
+          <a:effectRef idx="0">
+            <a:schemeClr val="accent1"/>
+          </a:effectRef>
+          <a:fontRef idx="minor">
+            <a:schemeClr val="lt1"/>
+          </a:fontRef>
+        </p:style>
+        <p:txBody>
+          <a:bodyPr rtlCol="0" anchor="ctr"/>
+          <a:lstStyle/>
+          <a:p>
+            <a:pPr algn="ctr"/>
+            <a:endParaRPr kumimoji="1" lang="ja-JP" altLang="en-US"/>
+          </a:p>
+        </p:txBody>
+      </p:sp>
+      <p:sp>
+        <p:nvSpPr>
+          <p:cNvPr id="6" name="楕円 5">
+            <a:extLst>
+              <a:ext uri="{FF2B5EF4-FFF2-40B4-BE49-F238E27FC236}">
+                <a16:creationId xmlns:a16="http://schemas.microsoft.com/office/drawing/2014/main" id="{2BC90D54-F11A-4CA1-9354-38EB3BEE6E94}"/>
+              </a:ext>
+            </a:extLst>
+          </p:cNvPr>
+          <p:cNvSpPr/>
+          <p:nvPr/>
+        </p:nvSpPr>
+        <p:spPr>
+          <a:xfrm>
+            <a:off x="2276917" y="2609976"/>
+            <a:ext cx="84778" cy="84778"/>
+          </a:xfrm>
+          <a:prstGeom prst="ellipse">
+            <a:avLst/>
+          </a:prstGeom>
+          <a:solidFill>
+            <a:srgbClr val="FF0000"/>
+          </a:solidFill>
+          <a:ln>
+            <a:noFill/>
+          </a:ln>
+        </p:spPr>
+        <p:style>
+          <a:lnRef idx="2">
+            <a:schemeClr val="accent1">
+              <a:shade val="50000"/>
+            </a:schemeClr>
+          </a:lnRef>
+          <a:fillRef idx="1">
+            <a:schemeClr val="accent1"/>
+          </a:fillRef>
+          <a:effectRef idx="0">
+            <a:schemeClr val="accent1"/>
+          </a:effectRef>
+          <a:fontRef idx="minor">
+            <a:schemeClr val="lt1"/>
+          </a:fontRef>
+        </p:style>
+        <p:txBody>
+          <a:bodyPr rtlCol="0" anchor="ctr"/>
+          <a:lstStyle/>
+          <a:p>
+            <a:pPr algn="ctr"/>
+            <a:endParaRPr kumimoji="1" lang="ja-JP" altLang="en-US"/>
+          </a:p>
+        </p:txBody>
+      </p:sp>
+      <p:sp>
+        <p:nvSpPr>
+          <p:cNvPr id="13" name="楕円 12">
+            <a:extLst>
+              <a:ext uri="{FF2B5EF4-FFF2-40B4-BE49-F238E27FC236}">
+                <a16:creationId xmlns:a16="http://schemas.microsoft.com/office/drawing/2014/main" id="{B20F6172-CF88-46BB-9233-FC6CC6832459}"/>
+              </a:ext>
+            </a:extLst>
+          </p:cNvPr>
+          <p:cNvSpPr/>
+          <p:nvPr/>
+        </p:nvSpPr>
+        <p:spPr>
+          <a:xfrm>
+            <a:off x="3932753" y="3756004"/>
+            <a:ext cx="84778" cy="84778"/>
+          </a:xfrm>
+          <a:prstGeom prst="ellipse">
+            <a:avLst/>
+          </a:prstGeom>
+          <a:solidFill>
+            <a:srgbClr val="FF0000"/>
+          </a:solidFill>
+          <a:ln>
+            <a:noFill/>
+          </a:ln>
+        </p:spPr>
+        <p:style>
+          <a:lnRef idx="2">
+            <a:schemeClr val="accent1">
+              <a:shade val="50000"/>
+            </a:schemeClr>
+          </a:lnRef>
+          <a:fillRef idx="1">
+            <a:schemeClr val="accent1"/>
+          </a:fillRef>
+          <a:effectRef idx="0">
+            <a:schemeClr val="accent1"/>
+          </a:effectRef>
+          <a:fontRef idx="minor">
+            <a:schemeClr val="lt1"/>
+          </a:fontRef>
+        </p:style>
+        <p:txBody>
+          <a:bodyPr rtlCol="0" anchor="ctr"/>
+          <a:lstStyle/>
+          <a:p>
+            <a:pPr algn="ctr"/>
+            <a:endParaRPr kumimoji="1" lang="ja-JP" altLang="en-US"/>
+          </a:p>
+        </p:txBody>
+      </p:sp>
+    </p:spTree>
+    <p:extLst>
+      <p:ext uri="{BB962C8B-B14F-4D97-AF65-F5344CB8AC3E}">
+        <p14:creationId xmlns:p14="http://schemas.microsoft.com/office/powerpoint/2010/main" val="562071398"/>
+      </p:ext>
+    </p:extLst>
+  </p:cSld>
+  <p:clrMapOvr>
+    <a:masterClrMapping/>
+  </p:clrMapOvr>
+</p:sld>
+</file>
+
+<file path=ppt/slides/slide5.xml><?xml version="1.0" encoding="utf-8"?>
+<p:sld xmlns:a="http://schemas.openxmlformats.org/drawingml/2006/main" xmlns:r="http://schemas.openxmlformats.org/officeDocument/2006/relationships" xmlns:p="http://schemas.openxmlformats.org/presentationml/2006/main">
+  <p:cSld>
+    <p:spTree>
+      <p:nvGrpSpPr>
+        <p:cNvPr id="1" name=""/>
+        <p:cNvGrpSpPr/>
+        <p:nvPr/>
+      </p:nvGrpSpPr>
+      <p:grpSpPr>
+        <a:xfrm>
+          <a:off x="0" y="0"/>
+          <a:ext cx="0" cy="0"/>
+          <a:chOff x="0" y="0"/>
+          <a:chExt cx="0" cy="0"/>
+        </a:xfrm>
+      </p:grpSpPr>
+      <p:sp>
+        <p:nvSpPr>
+          <p:cNvPr id="2" name="スライド番号プレースホルダー 1">
+            <a:extLst>
+              <a:ext uri="{FF2B5EF4-FFF2-40B4-BE49-F238E27FC236}">
+                <a16:creationId xmlns:a16="http://schemas.microsoft.com/office/drawing/2014/main" id="{6A3EF341-4EC6-494B-8EBB-950529C5506D}"/>
+              </a:ext>
+            </a:extLst>
+          </p:cNvPr>
+          <p:cNvSpPr>
+            <a:spLocks noGrp="1"/>
+          </p:cNvSpPr>
+          <p:nvPr>
+            <p:ph type="sldNum" sz="quarter" idx="12"/>
+          </p:nvPr>
+        </p:nvSpPr>
+        <p:spPr/>
+        <p:txBody>
+          <a:bodyPr/>
+          <a:lstStyle/>
+          <a:p>
+            <a:fld id="{54E8F7FD-0FB9-42CD-ACB3-7754F601E11E}" type="slidenum">
+              <a:rPr kumimoji="1" lang="ja-JP" altLang="en-US" smtClean="0"/>
+              <a:t>5</a:t>
+            </a:fld>
+            <a:endParaRPr kumimoji="1" lang="ja-JP" altLang="en-US"/>
+          </a:p>
+        </p:txBody>
+      </p:sp>
+      <p:sp>
+        <p:nvSpPr>
+          <p:cNvPr id="3" name="タイトル 2">
+            <a:extLst>
+              <a:ext uri="{FF2B5EF4-FFF2-40B4-BE49-F238E27FC236}">
+                <a16:creationId xmlns:a16="http://schemas.microsoft.com/office/drawing/2014/main" id="{D0B69B91-FD30-4B11-AE0E-EE10E00756AA}"/>
+              </a:ext>
+            </a:extLst>
+          </p:cNvPr>
+          <p:cNvSpPr>
+            <a:spLocks noGrp="1"/>
+          </p:cNvSpPr>
+          <p:nvPr>
+            <p:ph type="title"/>
+          </p:nvPr>
+        </p:nvSpPr>
+        <p:spPr/>
+        <p:txBody>
+          <a:bodyPr/>
+          <a:lstStyle/>
+          <a:p>
+            <a:endParaRPr kumimoji="1" lang="ja-JP" altLang="en-US"/>
+          </a:p>
+        </p:txBody>
+      </p:sp>
+      <p:sp>
+        <p:nvSpPr>
+          <p:cNvPr id="4" name="フッター プレースホルダー 3">
+            <a:extLst>
+              <a:ext uri="{FF2B5EF4-FFF2-40B4-BE49-F238E27FC236}">
+                <a16:creationId xmlns:a16="http://schemas.microsoft.com/office/drawing/2014/main" id="{B595D397-E477-4478-9584-1BE4ED7B9260}"/>
+              </a:ext>
+            </a:extLst>
+          </p:cNvPr>
+          <p:cNvSpPr>
+            <a:spLocks noGrp="1"/>
+          </p:cNvSpPr>
+          <p:nvPr>
+            <p:ph type="ftr" sz="quarter" idx="14"/>
+          </p:nvPr>
+        </p:nvSpPr>
+        <p:spPr/>
+        <p:txBody>
+          <a:bodyPr/>
+          <a:lstStyle/>
+          <a:p>
+            <a:endParaRPr lang="ja-JP" altLang="en-US"/>
+          </a:p>
+        </p:txBody>
+      </p:sp>
+      <p:sp>
+        <p:nvSpPr>
+          <p:cNvPr id="5" name="正方形/長方形 4">
+            <a:extLst>
+              <a:ext uri="{FF2B5EF4-FFF2-40B4-BE49-F238E27FC236}">
+                <a16:creationId xmlns:a16="http://schemas.microsoft.com/office/drawing/2014/main" id="{00F257BD-7416-4ED2-83C4-D5190C8FA596}"/>
+              </a:ext>
+            </a:extLst>
+          </p:cNvPr>
+          <p:cNvSpPr/>
+          <p:nvPr/>
+        </p:nvSpPr>
+        <p:spPr>
+          <a:xfrm>
+            <a:off x="2319306" y="2652365"/>
+            <a:ext cx="1655836" cy="1146028"/>
+          </a:xfrm>
+          <a:prstGeom prst="rect">
+            <a:avLst/>
+          </a:prstGeom>
+          <a:noFill/>
+          <a:ln w="28575">
+            <a:solidFill>
+              <a:schemeClr val="tx1"/>
+            </a:solidFill>
+          </a:ln>
+        </p:spPr>
+        <p:style>
+          <a:lnRef idx="2">
+            <a:schemeClr val="accent1">
+              <a:shade val="50000"/>
+            </a:schemeClr>
+          </a:lnRef>
+          <a:fillRef idx="1">
+            <a:schemeClr val="accent1"/>
+          </a:fillRef>
+          <a:effectRef idx="0">
+            <a:schemeClr val="accent1"/>
+          </a:effectRef>
+          <a:fontRef idx="minor">
+            <a:schemeClr val="lt1"/>
+          </a:fontRef>
+        </p:style>
+        <p:txBody>
+          <a:bodyPr rtlCol="0" anchor="ctr"/>
+          <a:lstStyle/>
+          <a:p>
+            <a:pPr algn="ctr"/>
+            <a:endParaRPr kumimoji="1" lang="ja-JP" altLang="en-US"/>
+          </a:p>
+        </p:txBody>
+      </p:sp>
+      <p:sp>
+        <p:nvSpPr>
+          <p:cNvPr id="6" name="楕円 5">
+            <a:extLst>
+              <a:ext uri="{FF2B5EF4-FFF2-40B4-BE49-F238E27FC236}">
+                <a16:creationId xmlns:a16="http://schemas.microsoft.com/office/drawing/2014/main" id="{2BC90D54-F11A-4CA1-9354-38EB3BEE6E94}"/>
+              </a:ext>
+            </a:extLst>
+          </p:cNvPr>
+          <p:cNvSpPr/>
+          <p:nvPr/>
+        </p:nvSpPr>
+        <p:spPr>
+          <a:xfrm>
+            <a:off x="3104835" y="3184422"/>
+            <a:ext cx="84778" cy="84778"/>
+          </a:xfrm>
+          <a:prstGeom prst="ellipse">
+            <a:avLst/>
+          </a:prstGeom>
+          <a:solidFill>
+            <a:srgbClr val="FF0000"/>
+          </a:solidFill>
+          <a:ln>
+            <a:noFill/>
+          </a:ln>
+        </p:spPr>
+        <p:style>
+          <a:lnRef idx="2">
+            <a:schemeClr val="accent1">
+              <a:shade val="50000"/>
+            </a:schemeClr>
+          </a:lnRef>
+          <a:fillRef idx="1">
+            <a:schemeClr val="accent1"/>
+          </a:fillRef>
+          <a:effectRef idx="0">
+            <a:schemeClr val="accent1"/>
+          </a:effectRef>
+          <a:fontRef idx="minor">
+            <a:schemeClr val="lt1"/>
+          </a:fontRef>
+        </p:style>
+        <p:txBody>
+          <a:bodyPr rtlCol="0" anchor="ctr"/>
+          <a:lstStyle/>
+          <a:p>
+            <a:pPr algn="ctr"/>
+            <a:endParaRPr kumimoji="1" lang="ja-JP" altLang="en-US"/>
+          </a:p>
+        </p:txBody>
+      </p:sp>
+      <p:cxnSp>
+        <p:nvCxnSpPr>
+          <p:cNvPr id="8" name="直線矢印コネクタ 7">
+            <a:extLst>
+              <a:ext uri="{FF2B5EF4-FFF2-40B4-BE49-F238E27FC236}">
+                <a16:creationId xmlns:a16="http://schemas.microsoft.com/office/drawing/2014/main" id="{2EDFDC31-14A7-4396-95E5-DAF8E03426A4}"/>
+              </a:ext>
+            </a:extLst>
+          </p:cNvPr>
+          <p:cNvCxnSpPr>
+            <a:cxnSpLocks/>
+          </p:cNvCxnSpPr>
+          <p:nvPr/>
+        </p:nvCxnSpPr>
+        <p:spPr>
+          <a:xfrm>
+            <a:off x="2313253" y="2403074"/>
+            <a:ext cx="832268" cy="0"/>
+          </a:xfrm>
+          <a:prstGeom prst="straightConnector1">
+            <a:avLst/>
+          </a:prstGeom>
+          <a:ln w="19050">
+            <a:solidFill>
+              <a:srgbClr val="FF0000"/>
+            </a:solidFill>
+            <a:headEnd type="triangle"/>
+            <a:tailEnd type="triangle"/>
+          </a:ln>
+        </p:spPr>
+        <p:style>
+          <a:lnRef idx="1">
+            <a:schemeClr val="accent1"/>
+          </a:lnRef>
+          <a:fillRef idx="0">
+            <a:schemeClr val="accent1"/>
+          </a:fillRef>
+          <a:effectRef idx="0">
+            <a:schemeClr val="accent1"/>
+          </a:effectRef>
+          <a:fontRef idx="minor">
+            <a:schemeClr val="tx1"/>
+          </a:fontRef>
+        </p:style>
+      </p:cxnSp>
+      <p:cxnSp>
+        <p:nvCxnSpPr>
+          <p:cNvPr id="12" name="直線矢印コネクタ 11">
+            <a:extLst>
+              <a:ext uri="{FF2B5EF4-FFF2-40B4-BE49-F238E27FC236}">
+                <a16:creationId xmlns:a16="http://schemas.microsoft.com/office/drawing/2014/main" id="{2A5DAD3B-A309-4B79-949A-6A35EE1BC7D1}"/>
+              </a:ext>
+            </a:extLst>
+          </p:cNvPr>
+          <p:cNvCxnSpPr>
+            <a:cxnSpLocks/>
+          </p:cNvCxnSpPr>
+          <p:nvPr/>
+        </p:nvCxnSpPr>
+        <p:spPr>
+          <a:xfrm>
+            <a:off x="2089952" y="2641264"/>
+            <a:ext cx="0" cy="587900"/>
+          </a:xfrm>
+          <a:prstGeom prst="straightConnector1">
+            <a:avLst/>
+          </a:prstGeom>
+          <a:ln w="19050">
+            <a:solidFill>
+              <a:srgbClr val="FF0000"/>
+            </a:solidFill>
+            <a:headEnd type="triangle"/>
+            <a:tailEnd type="triangle"/>
+          </a:ln>
+        </p:spPr>
+        <p:style>
+          <a:lnRef idx="1">
+            <a:schemeClr val="accent1"/>
+          </a:lnRef>
+          <a:fillRef idx="0">
+            <a:schemeClr val="accent1"/>
+          </a:fillRef>
+          <a:effectRef idx="0">
+            <a:schemeClr val="accent1"/>
+          </a:effectRef>
+          <a:fontRef idx="minor">
+            <a:schemeClr val="tx1"/>
+          </a:fontRef>
+        </p:style>
+      </p:cxnSp>
+      <p:cxnSp>
+        <p:nvCxnSpPr>
+          <p:cNvPr id="9" name="直線コネクタ 8">
+            <a:extLst>
+              <a:ext uri="{FF2B5EF4-FFF2-40B4-BE49-F238E27FC236}">
+                <a16:creationId xmlns:a16="http://schemas.microsoft.com/office/drawing/2014/main" id="{08DDDB3C-42E6-4C10-B85B-CC5E8A06A6FF}"/>
+              </a:ext>
+            </a:extLst>
+          </p:cNvPr>
+          <p:cNvCxnSpPr>
+            <a:cxnSpLocks/>
+          </p:cNvCxnSpPr>
+          <p:nvPr/>
+        </p:nvCxnSpPr>
+        <p:spPr>
+          <a:xfrm flipH="1">
+            <a:off x="2072036" y="2652365"/>
+            <a:ext cx="204881" cy="0"/>
+          </a:xfrm>
+          <a:prstGeom prst="line">
+            <a:avLst/>
+          </a:prstGeom>
+          <a:ln w="19050">
+            <a:solidFill>
+              <a:srgbClr val="FF0000"/>
+            </a:solidFill>
+            <a:prstDash val="sysDot"/>
+          </a:ln>
+        </p:spPr>
+        <p:style>
+          <a:lnRef idx="1">
+            <a:schemeClr val="accent1"/>
+          </a:lnRef>
+          <a:fillRef idx="0">
+            <a:schemeClr val="accent1"/>
+          </a:fillRef>
+          <a:effectRef idx="0">
+            <a:schemeClr val="accent1"/>
+          </a:effectRef>
+          <a:fontRef idx="minor">
+            <a:schemeClr val="tx1"/>
+          </a:fontRef>
+        </p:style>
+      </p:cxnSp>
+      <p:cxnSp>
+        <p:nvCxnSpPr>
+          <p:cNvPr id="10" name="直線コネクタ 9">
+            <a:extLst>
+              <a:ext uri="{FF2B5EF4-FFF2-40B4-BE49-F238E27FC236}">
+                <a16:creationId xmlns:a16="http://schemas.microsoft.com/office/drawing/2014/main" id="{D6F66251-E9EE-4376-B94F-121435AB291F}"/>
+              </a:ext>
+            </a:extLst>
+          </p:cNvPr>
+          <p:cNvCxnSpPr>
+            <a:cxnSpLocks/>
+          </p:cNvCxnSpPr>
+          <p:nvPr/>
+        </p:nvCxnSpPr>
+        <p:spPr>
+          <a:xfrm flipH="1">
+            <a:off x="2089952" y="3229164"/>
+            <a:ext cx="1027435" cy="0"/>
+          </a:xfrm>
+          <a:prstGeom prst="line">
+            <a:avLst/>
+          </a:prstGeom>
+          <a:ln w="19050">
+            <a:solidFill>
+              <a:srgbClr val="FF0000"/>
+            </a:solidFill>
+            <a:prstDash val="sysDot"/>
+          </a:ln>
+        </p:spPr>
+        <p:style>
+          <a:lnRef idx="1">
+            <a:schemeClr val="accent1"/>
+          </a:lnRef>
+          <a:fillRef idx="0">
+            <a:schemeClr val="accent1"/>
+          </a:fillRef>
+          <a:effectRef idx="0">
+            <a:schemeClr val="accent1"/>
+          </a:effectRef>
+          <a:fontRef idx="minor">
+            <a:schemeClr val="tx1"/>
+          </a:fontRef>
+        </p:style>
+      </p:cxnSp>
+      <p:cxnSp>
+        <p:nvCxnSpPr>
+          <p:cNvPr id="11" name="直線コネクタ 10">
+            <a:extLst>
+              <a:ext uri="{FF2B5EF4-FFF2-40B4-BE49-F238E27FC236}">
+                <a16:creationId xmlns:a16="http://schemas.microsoft.com/office/drawing/2014/main" id="{FF2D131A-C994-4C67-BA9D-0562F462E412}"/>
+              </a:ext>
+            </a:extLst>
+          </p:cNvPr>
+          <p:cNvCxnSpPr>
+            <a:cxnSpLocks/>
+          </p:cNvCxnSpPr>
+          <p:nvPr/>
+        </p:nvCxnSpPr>
+        <p:spPr>
+          <a:xfrm>
+            <a:off x="2319306" y="2391973"/>
+            <a:ext cx="0" cy="249291"/>
+          </a:xfrm>
+          <a:prstGeom prst="line">
+            <a:avLst/>
+          </a:prstGeom>
+          <a:ln w="19050">
+            <a:solidFill>
+              <a:srgbClr val="FF0000"/>
+            </a:solidFill>
+            <a:prstDash val="sysDot"/>
+          </a:ln>
+        </p:spPr>
+        <p:style>
+          <a:lnRef idx="1">
+            <a:schemeClr val="accent1"/>
+          </a:lnRef>
+          <a:fillRef idx="0">
+            <a:schemeClr val="accent1"/>
+          </a:fillRef>
+          <a:effectRef idx="0">
+            <a:schemeClr val="accent1"/>
+          </a:effectRef>
+          <a:fontRef idx="minor">
+            <a:schemeClr val="tx1"/>
+          </a:fontRef>
+        </p:style>
+      </p:cxnSp>
+      <p:cxnSp>
+        <p:nvCxnSpPr>
+          <p:cNvPr id="13" name="直線コネクタ 12">
+            <a:extLst>
+              <a:ext uri="{FF2B5EF4-FFF2-40B4-BE49-F238E27FC236}">
+                <a16:creationId xmlns:a16="http://schemas.microsoft.com/office/drawing/2014/main" id="{A7059534-3629-49E4-9383-D1278AAFD55E}"/>
+              </a:ext>
+            </a:extLst>
+          </p:cNvPr>
+          <p:cNvCxnSpPr>
+            <a:cxnSpLocks/>
+          </p:cNvCxnSpPr>
+          <p:nvPr/>
+        </p:nvCxnSpPr>
+        <p:spPr>
+          <a:xfrm>
+            <a:off x="3145521" y="2403074"/>
+            <a:ext cx="0" cy="800353"/>
+          </a:xfrm>
+          <a:prstGeom prst="line">
+            <a:avLst/>
+          </a:prstGeom>
+          <a:ln w="19050">
+            <a:solidFill>
+              <a:srgbClr val="FF0000"/>
+            </a:solidFill>
+            <a:prstDash val="sysDot"/>
+          </a:ln>
+        </p:spPr>
+        <p:style>
+          <a:lnRef idx="1">
+            <a:schemeClr val="accent1"/>
+          </a:lnRef>
+          <a:fillRef idx="0">
+            <a:schemeClr val="accent1"/>
+          </a:fillRef>
+          <a:effectRef idx="0">
+            <a:schemeClr val="accent1"/>
+          </a:effectRef>
+          <a:fontRef idx="minor">
+            <a:schemeClr val="tx1"/>
+          </a:fontRef>
+        </p:style>
+      </p:cxnSp>
+    </p:spTree>
+    <p:extLst>
+      <p:ext uri="{BB962C8B-B14F-4D97-AF65-F5344CB8AC3E}">
+        <p14:creationId xmlns:p14="http://schemas.microsoft.com/office/powerpoint/2010/main" val="88484651"/>
+      </p:ext>
+    </p:extLst>
+  </p:cSld>
+  <p:clrMapOvr>
+    <a:masterClrMapping/>
+  </p:clrMapOvr>
+</p:sld>
+</file>
+
+<file path=ppt/slides/slide6.xml><?xml version="1.0" encoding="utf-8"?>
+<p:sld xmlns:a="http://schemas.openxmlformats.org/drawingml/2006/main" xmlns:r="http://schemas.openxmlformats.org/officeDocument/2006/relationships" xmlns:p="http://schemas.openxmlformats.org/presentationml/2006/main">
+  <p:cSld>
+    <p:spTree>
+      <p:nvGrpSpPr>
+        <p:cNvPr id="1" name=""/>
+        <p:cNvGrpSpPr/>
+        <p:nvPr/>
+      </p:nvGrpSpPr>
+      <p:grpSpPr>
+        <a:xfrm>
+          <a:off x="0" y="0"/>
+          <a:ext cx="0" cy="0"/>
+          <a:chOff x="0" y="0"/>
+          <a:chExt cx="0" cy="0"/>
+        </a:xfrm>
+      </p:grpSpPr>
+      <p:sp>
+        <p:nvSpPr>
+          <p:cNvPr id="2" name="スライド番号プレースホルダー 1">
+            <a:extLst>
+              <a:ext uri="{FF2B5EF4-FFF2-40B4-BE49-F238E27FC236}">
+                <a16:creationId xmlns:a16="http://schemas.microsoft.com/office/drawing/2014/main" id="{6A3EF341-4EC6-494B-8EBB-950529C5506D}"/>
+              </a:ext>
+            </a:extLst>
+          </p:cNvPr>
+          <p:cNvSpPr>
+            <a:spLocks noGrp="1"/>
+          </p:cNvSpPr>
+          <p:nvPr>
+            <p:ph type="sldNum" sz="quarter" idx="12"/>
+          </p:nvPr>
+        </p:nvSpPr>
+        <p:spPr/>
+        <p:txBody>
+          <a:bodyPr/>
+          <a:lstStyle/>
+          <a:p>
+            <a:fld id="{54E8F7FD-0FB9-42CD-ACB3-7754F601E11E}" type="slidenum">
+              <a:rPr kumimoji="1" lang="ja-JP" altLang="en-US" smtClean="0"/>
+              <a:t>6</a:t>
+            </a:fld>
+            <a:endParaRPr kumimoji="1" lang="ja-JP" altLang="en-US"/>
+          </a:p>
+        </p:txBody>
+      </p:sp>
+      <p:sp>
+        <p:nvSpPr>
+          <p:cNvPr id="3" name="タイトル 2">
+            <a:extLst>
+              <a:ext uri="{FF2B5EF4-FFF2-40B4-BE49-F238E27FC236}">
+                <a16:creationId xmlns:a16="http://schemas.microsoft.com/office/drawing/2014/main" id="{D0B69B91-FD30-4B11-AE0E-EE10E00756AA}"/>
+              </a:ext>
+            </a:extLst>
+          </p:cNvPr>
+          <p:cNvSpPr>
+            <a:spLocks noGrp="1"/>
+          </p:cNvSpPr>
+          <p:nvPr>
+            <p:ph type="title"/>
+          </p:nvPr>
+        </p:nvSpPr>
+        <p:spPr/>
+        <p:txBody>
+          <a:bodyPr/>
+          <a:lstStyle/>
+          <a:p>
+            <a:endParaRPr kumimoji="1" lang="ja-JP" altLang="en-US"/>
+          </a:p>
+        </p:txBody>
+      </p:sp>
+      <p:sp>
+        <p:nvSpPr>
+          <p:cNvPr id="4" name="フッター プレースホルダー 3">
+            <a:extLst>
+              <a:ext uri="{FF2B5EF4-FFF2-40B4-BE49-F238E27FC236}">
+                <a16:creationId xmlns:a16="http://schemas.microsoft.com/office/drawing/2014/main" id="{B595D397-E477-4478-9584-1BE4ED7B9260}"/>
+              </a:ext>
+            </a:extLst>
+          </p:cNvPr>
+          <p:cNvSpPr>
+            <a:spLocks noGrp="1"/>
+          </p:cNvSpPr>
+          <p:nvPr>
+            <p:ph type="ftr" sz="quarter" idx="14"/>
+          </p:nvPr>
+        </p:nvSpPr>
+        <p:spPr/>
+        <p:txBody>
+          <a:bodyPr/>
+          <a:lstStyle/>
+          <a:p>
+            <a:endParaRPr lang="ja-JP" altLang="en-US"/>
+          </a:p>
+        </p:txBody>
+      </p:sp>
+      <p:sp>
+        <p:nvSpPr>
+          <p:cNvPr id="6" name="楕円 5">
+            <a:extLst>
+              <a:ext uri="{FF2B5EF4-FFF2-40B4-BE49-F238E27FC236}">
+                <a16:creationId xmlns:a16="http://schemas.microsoft.com/office/drawing/2014/main" id="{2BC90D54-F11A-4CA1-9354-38EB3BEE6E94}"/>
+              </a:ext>
+            </a:extLst>
+          </p:cNvPr>
+          <p:cNvSpPr/>
+          <p:nvPr/>
+        </p:nvSpPr>
+        <p:spPr>
+          <a:xfrm>
+            <a:off x="3104835" y="3184422"/>
+            <a:ext cx="84778" cy="84778"/>
+          </a:xfrm>
+          <a:prstGeom prst="ellipse">
+            <a:avLst/>
+          </a:prstGeom>
+          <a:solidFill>
+            <a:srgbClr val="FF0000"/>
+          </a:solidFill>
+          <a:ln>
+            <a:noFill/>
+          </a:ln>
+        </p:spPr>
+        <p:style>
+          <a:lnRef idx="2">
+            <a:schemeClr val="accent1">
+              <a:shade val="50000"/>
+            </a:schemeClr>
+          </a:lnRef>
+          <a:fillRef idx="1">
+            <a:schemeClr val="accent1"/>
+          </a:fillRef>
+          <a:effectRef idx="0">
+            <a:schemeClr val="accent1"/>
+          </a:effectRef>
+          <a:fontRef idx="minor">
+            <a:schemeClr val="lt1"/>
+          </a:fontRef>
+        </p:style>
+        <p:txBody>
+          <a:bodyPr rtlCol="0" anchor="ctr"/>
+          <a:lstStyle/>
+          <a:p>
+            <a:pPr algn="ctr"/>
+            <a:endParaRPr kumimoji="1" lang="ja-JP" altLang="en-US"/>
+          </a:p>
+        </p:txBody>
+      </p:sp>
+      <p:cxnSp>
+        <p:nvCxnSpPr>
+          <p:cNvPr id="8" name="直線矢印コネクタ 7">
+            <a:extLst>
+              <a:ext uri="{FF2B5EF4-FFF2-40B4-BE49-F238E27FC236}">
+                <a16:creationId xmlns:a16="http://schemas.microsoft.com/office/drawing/2014/main" id="{2EDFDC31-14A7-4396-95E5-DAF8E03426A4}"/>
+              </a:ext>
+            </a:extLst>
+          </p:cNvPr>
+          <p:cNvCxnSpPr>
+            <a:cxnSpLocks/>
+            <a:endCxn id="7" idx="6"/>
+          </p:cNvCxnSpPr>
+          <p:nvPr/>
+        </p:nvCxnSpPr>
+        <p:spPr>
+          <a:xfrm>
+            <a:off x="2319306" y="3225379"/>
+            <a:ext cx="1655834" cy="0"/>
+          </a:xfrm>
+          <a:prstGeom prst="straightConnector1">
+            <a:avLst/>
+          </a:prstGeom>
+          <a:ln w="19050">
+            <a:solidFill>
+              <a:srgbClr val="FF0000"/>
+            </a:solidFill>
+            <a:headEnd type="triangle"/>
+            <a:tailEnd type="triangle"/>
+          </a:ln>
+        </p:spPr>
+        <p:style>
+          <a:lnRef idx="1">
+            <a:schemeClr val="accent1"/>
+          </a:lnRef>
+          <a:fillRef idx="0">
+            <a:schemeClr val="accent1"/>
+          </a:fillRef>
+          <a:effectRef idx="0">
+            <a:schemeClr val="accent1"/>
+          </a:effectRef>
+          <a:fontRef idx="minor">
+            <a:schemeClr val="tx1"/>
+          </a:fontRef>
+        </p:style>
+      </p:cxnSp>
+      <p:cxnSp>
+        <p:nvCxnSpPr>
+          <p:cNvPr id="12" name="直線矢印コネクタ 11">
+            <a:extLst>
+              <a:ext uri="{FF2B5EF4-FFF2-40B4-BE49-F238E27FC236}">
+                <a16:creationId xmlns:a16="http://schemas.microsoft.com/office/drawing/2014/main" id="{2A5DAD3B-A309-4B79-949A-6A35EE1BC7D1}"/>
+              </a:ext>
+            </a:extLst>
+          </p:cNvPr>
+          <p:cNvCxnSpPr>
+            <a:cxnSpLocks/>
+            <a:endCxn id="7" idx="4"/>
+          </p:cNvCxnSpPr>
+          <p:nvPr/>
+        </p:nvCxnSpPr>
+        <p:spPr>
+          <a:xfrm>
+            <a:off x="3150250" y="2663466"/>
+            <a:ext cx="0" cy="1123825"/>
+          </a:xfrm>
+          <a:prstGeom prst="straightConnector1">
+            <a:avLst/>
+          </a:prstGeom>
+          <a:ln w="19050">
+            <a:solidFill>
+              <a:srgbClr val="FF0000"/>
+            </a:solidFill>
+            <a:headEnd type="triangle"/>
+            <a:tailEnd type="triangle"/>
+          </a:ln>
+        </p:spPr>
+        <p:style>
+          <a:lnRef idx="1">
+            <a:schemeClr val="accent1"/>
+          </a:lnRef>
+          <a:fillRef idx="0">
+            <a:schemeClr val="accent1"/>
+          </a:fillRef>
+          <a:effectRef idx="0">
+            <a:schemeClr val="accent1"/>
+          </a:effectRef>
+          <a:fontRef idx="minor">
+            <a:schemeClr val="tx1"/>
+          </a:fontRef>
+        </p:style>
+      </p:cxnSp>
+      <p:sp>
+        <p:nvSpPr>
+          <p:cNvPr id="7" name="楕円 6">
+            <a:extLst>
+              <a:ext uri="{FF2B5EF4-FFF2-40B4-BE49-F238E27FC236}">
+                <a16:creationId xmlns:a16="http://schemas.microsoft.com/office/drawing/2014/main" id="{7220A742-F3AD-47CC-A1D7-082EED87F9F2}"/>
+              </a:ext>
+            </a:extLst>
+          </p:cNvPr>
+          <p:cNvSpPr/>
+          <p:nvPr/>
+        </p:nvSpPr>
+        <p:spPr>
+          <a:xfrm>
+            <a:off x="2325359" y="2663466"/>
+            <a:ext cx="1649781" cy="1123825"/>
+          </a:xfrm>
+          <a:prstGeom prst="ellipse">
+            <a:avLst/>
+          </a:prstGeom>
+          <a:noFill/>
+          <a:ln w="28575">
+            <a:solidFill>
+              <a:schemeClr val="tx1"/>
+            </a:solidFill>
+          </a:ln>
+        </p:spPr>
+        <p:style>
+          <a:lnRef idx="2">
+            <a:schemeClr val="accent1">
+              <a:shade val="50000"/>
+            </a:schemeClr>
+          </a:lnRef>
+          <a:fillRef idx="1">
+            <a:schemeClr val="accent1"/>
+          </a:fillRef>
+          <a:effectRef idx="0">
+            <a:schemeClr val="accent1"/>
+          </a:effectRef>
+          <a:fontRef idx="minor">
+            <a:schemeClr val="lt1"/>
+          </a:fontRef>
+        </p:style>
+        <p:txBody>
+          <a:bodyPr rtlCol="0" anchor="ctr"/>
+          <a:lstStyle/>
+          <a:p>
+            <a:pPr algn="ctr"/>
+            <a:endParaRPr kumimoji="1" lang="ja-JP" altLang="en-US"/>
+          </a:p>
+        </p:txBody>
+      </p:sp>
+    </p:spTree>
+    <p:extLst>
+      <p:ext uri="{BB962C8B-B14F-4D97-AF65-F5344CB8AC3E}">
+        <p14:creationId xmlns:p14="http://schemas.microsoft.com/office/powerpoint/2010/main" val="651440446"/>
+      </p:ext>
+    </p:extLst>
+  </p:cSld>
+  <p:clrMapOvr>
+    <a:masterClrMapping/>
+  </p:clrMapOvr>
+</p:sld>
+</file>
+
+<file path=ppt/slides/slide7.xml><?xml version="1.0" encoding="utf-8"?>
+<p:sld xmlns:a="http://schemas.openxmlformats.org/drawingml/2006/main" xmlns:r="http://schemas.openxmlformats.org/officeDocument/2006/relationships" xmlns:p="http://schemas.openxmlformats.org/presentationml/2006/main">
+  <p:cSld>
+    <p:spTree>
+      <p:nvGrpSpPr>
+        <p:cNvPr id="1" name=""/>
+        <p:cNvGrpSpPr/>
+        <p:nvPr/>
+      </p:nvGrpSpPr>
+      <p:grpSpPr>
+        <a:xfrm>
+          <a:off x="0" y="0"/>
+          <a:ext cx="0" cy="0"/>
+          <a:chOff x="0" y="0"/>
+          <a:chExt cx="0" cy="0"/>
+        </a:xfrm>
+      </p:grpSpPr>
+      <p:sp>
+        <p:nvSpPr>
+          <p:cNvPr id="2" name="スライド番号プレースホルダー 1">
+            <a:extLst>
+              <a:ext uri="{FF2B5EF4-FFF2-40B4-BE49-F238E27FC236}">
+                <a16:creationId xmlns:a16="http://schemas.microsoft.com/office/drawing/2014/main" id="{6A3EF341-4EC6-494B-8EBB-950529C5506D}"/>
+              </a:ext>
+            </a:extLst>
+          </p:cNvPr>
+          <p:cNvSpPr>
+            <a:spLocks noGrp="1"/>
+          </p:cNvSpPr>
+          <p:nvPr>
+            <p:ph type="sldNum" sz="quarter" idx="12"/>
+          </p:nvPr>
+        </p:nvSpPr>
+        <p:spPr/>
+        <p:txBody>
+          <a:bodyPr/>
+          <a:lstStyle/>
+          <a:p>
+            <a:fld id="{54E8F7FD-0FB9-42CD-ACB3-7754F601E11E}" type="slidenum">
+              <a:rPr kumimoji="1" lang="ja-JP" altLang="en-US" smtClean="0"/>
+              <a:t>7</a:t>
+            </a:fld>
+            <a:endParaRPr kumimoji="1" lang="ja-JP" altLang="en-US"/>
+          </a:p>
+        </p:txBody>
+      </p:sp>
+      <p:sp>
+        <p:nvSpPr>
+          <p:cNvPr id="3" name="タイトル 2">
+            <a:extLst>
+              <a:ext uri="{FF2B5EF4-FFF2-40B4-BE49-F238E27FC236}">
+                <a16:creationId xmlns:a16="http://schemas.microsoft.com/office/drawing/2014/main" id="{D0B69B91-FD30-4B11-AE0E-EE10E00756AA}"/>
+              </a:ext>
+            </a:extLst>
+          </p:cNvPr>
+          <p:cNvSpPr>
+            <a:spLocks noGrp="1"/>
+          </p:cNvSpPr>
+          <p:nvPr>
+            <p:ph type="title"/>
+          </p:nvPr>
+        </p:nvSpPr>
+        <p:spPr/>
+        <p:txBody>
+          <a:bodyPr/>
+          <a:lstStyle/>
+          <a:p>
+            <a:endParaRPr kumimoji="1" lang="ja-JP" altLang="en-US"/>
+          </a:p>
+        </p:txBody>
+      </p:sp>
+      <p:sp>
+        <p:nvSpPr>
+          <p:cNvPr id="4" name="フッター プレースホルダー 3">
+            <a:extLst>
+              <a:ext uri="{FF2B5EF4-FFF2-40B4-BE49-F238E27FC236}">
+                <a16:creationId xmlns:a16="http://schemas.microsoft.com/office/drawing/2014/main" id="{B595D397-E477-4478-9584-1BE4ED7B9260}"/>
+              </a:ext>
+            </a:extLst>
+          </p:cNvPr>
+          <p:cNvSpPr>
+            <a:spLocks noGrp="1"/>
+          </p:cNvSpPr>
+          <p:nvPr>
+            <p:ph type="ftr" sz="quarter" idx="14"/>
+          </p:nvPr>
+        </p:nvSpPr>
+        <p:spPr/>
+        <p:txBody>
+          <a:bodyPr/>
+          <a:lstStyle/>
+          <a:p>
+            <a:endParaRPr lang="ja-JP" altLang="en-US"/>
+          </a:p>
+        </p:txBody>
+      </p:sp>
+      <p:sp>
+        <p:nvSpPr>
+          <p:cNvPr id="6" name="楕円 5">
+            <a:extLst>
+              <a:ext uri="{FF2B5EF4-FFF2-40B4-BE49-F238E27FC236}">
+                <a16:creationId xmlns:a16="http://schemas.microsoft.com/office/drawing/2014/main" id="{2BC90D54-F11A-4CA1-9354-38EB3BEE6E94}"/>
+              </a:ext>
+            </a:extLst>
+          </p:cNvPr>
+          <p:cNvSpPr/>
+          <p:nvPr/>
+        </p:nvSpPr>
+        <p:spPr>
+          <a:xfrm>
+            <a:off x="3104835" y="3184422"/>
+            <a:ext cx="84778" cy="84778"/>
+          </a:xfrm>
+          <a:prstGeom prst="ellipse">
+            <a:avLst/>
+          </a:prstGeom>
+          <a:solidFill>
+            <a:srgbClr val="FF0000"/>
+          </a:solidFill>
+          <a:ln>
+            <a:noFill/>
+          </a:ln>
+        </p:spPr>
+        <p:style>
+          <a:lnRef idx="2">
+            <a:schemeClr val="accent1">
+              <a:shade val="50000"/>
+            </a:schemeClr>
+          </a:lnRef>
+          <a:fillRef idx="1">
+            <a:schemeClr val="accent1"/>
+          </a:fillRef>
+          <a:effectRef idx="0">
+            <a:schemeClr val="accent1"/>
+          </a:effectRef>
+          <a:fontRef idx="minor">
+            <a:schemeClr val="lt1"/>
+          </a:fontRef>
+        </p:style>
+        <p:txBody>
+          <a:bodyPr rtlCol="0" anchor="ctr"/>
+          <a:lstStyle/>
+          <a:p>
+            <a:pPr algn="ctr"/>
+            <a:endParaRPr kumimoji="1" lang="ja-JP" altLang="en-US"/>
+          </a:p>
+        </p:txBody>
+      </p:sp>
+      <p:cxnSp>
+        <p:nvCxnSpPr>
+          <p:cNvPr id="8" name="直線矢印コネクタ 7">
+            <a:extLst>
+              <a:ext uri="{FF2B5EF4-FFF2-40B4-BE49-F238E27FC236}">
+                <a16:creationId xmlns:a16="http://schemas.microsoft.com/office/drawing/2014/main" id="{2EDFDC31-14A7-4396-95E5-DAF8E03426A4}"/>
+              </a:ext>
+            </a:extLst>
+          </p:cNvPr>
+          <p:cNvCxnSpPr>
+            <a:cxnSpLocks/>
+          </p:cNvCxnSpPr>
+          <p:nvPr/>
+        </p:nvCxnSpPr>
+        <p:spPr>
+          <a:xfrm>
+            <a:off x="2319306" y="3225379"/>
+            <a:ext cx="785529" cy="0"/>
+          </a:xfrm>
+          <a:prstGeom prst="straightConnector1">
+            <a:avLst/>
+          </a:prstGeom>
+          <a:ln w="19050">
+            <a:solidFill>
+              <a:srgbClr val="FF0000"/>
+            </a:solidFill>
+            <a:headEnd type="triangle"/>
+            <a:tailEnd type="triangle"/>
+          </a:ln>
+        </p:spPr>
+        <p:style>
+          <a:lnRef idx="1">
+            <a:schemeClr val="accent1"/>
+          </a:lnRef>
+          <a:fillRef idx="0">
+            <a:schemeClr val="accent1"/>
+          </a:fillRef>
+          <a:effectRef idx="0">
+            <a:schemeClr val="accent1"/>
+          </a:effectRef>
+          <a:fontRef idx="minor">
+            <a:schemeClr val="tx1"/>
+          </a:fontRef>
+        </p:style>
+      </p:cxnSp>
+      <p:cxnSp>
+        <p:nvCxnSpPr>
+          <p:cNvPr id="12" name="直線矢印コネクタ 11">
+            <a:extLst>
+              <a:ext uri="{FF2B5EF4-FFF2-40B4-BE49-F238E27FC236}">
+                <a16:creationId xmlns:a16="http://schemas.microsoft.com/office/drawing/2014/main" id="{2A5DAD3B-A309-4B79-949A-6A35EE1BC7D1}"/>
+              </a:ext>
+            </a:extLst>
+          </p:cNvPr>
+          <p:cNvCxnSpPr>
+            <a:cxnSpLocks/>
+          </p:cNvCxnSpPr>
+          <p:nvPr/>
+        </p:nvCxnSpPr>
+        <p:spPr>
+          <a:xfrm>
+            <a:off x="3150250" y="2663466"/>
+            <a:ext cx="0" cy="520956"/>
+          </a:xfrm>
+          <a:prstGeom prst="straightConnector1">
+            <a:avLst/>
+          </a:prstGeom>
+          <a:ln w="19050">
+            <a:solidFill>
+              <a:srgbClr val="FF0000"/>
+            </a:solidFill>
+            <a:headEnd type="triangle"/>
+            <a:tailEnd type="triangle"/>
+          </a:ln>
+        </p:spPr>
+        <p:style>
+          <a:lnRef idx="1">
+            <a:schemeClr val="accent1"/>
+          </a:lnRef>
+          <a:fillRef idx="0">
+            <a:schemeClr val="accent1"/>
+          </a:fillRef>
+          <a:effectRef idx="0">
+            <a:schemeClr val="accent1"/>
+          </a:effectRef>
+          <a:fontRef idx="minor">
+            <a:schemeClr val="tx1"/>
+          </a:fontRef>
+        </p:style>
+      </p:cxnSp>
+      <p:sp>
+        <p:nvSpPr>
+          <p:cNvPr id="7" name="楕円 6">
+            <a:extLst>
+              <a:ext uri="{FF2B5EF4-FFF2-40B4-BE49-F238E27FC236}">
+                <a16:creationId xmlns:a16="http://schemas.microsoft.com/office/drawing/2014/main" id="{7220A742-F3AD-47CC-A1D7-082EED87F9F2}"/>
+              </a:ext>
+            </a:extLst>
+          </p:cNvPr>
+          <p:cNvSpPr/>
+          <p:nvPr/>
+        </p:nvSpPr>
+        <p:spPr>
+          <a:xfrm>
+            <a:off x="2325359" y="2663466"/>
+            <a:ext cx="1649781" cy="1123825"/>
+          </a:xfrm>
+          <a:prstGeom prst="ellipse">
+            <a:avLst/>
+          </a:prstGeom>
+          <a:noFill/>
+          <a:ln w="28575">
+            <a:solidFill>
+              <a:schemeClr val="tx1"/>
+            </a:solidFill>
+          </a:ln>
+        </p:spPr>
+        <p:style>
+          <a:lnRef idx="2">
+            <a:schemeClr val="accent1">
+              <a:shade val="50000"/>
+            </a:schemeClr>
+          </a:lnRef>
+          <a:fillRef idx="1">
+            <a:schemeClr val="accent1"/>
+          </a:fillRef>
+          <a:effectRef idx="0">
+            <a:schemeClr val="accent1"/>
+          </a:effectRef>
+          <a:fontRef idx="minor">
+            <a:schemeClr val="lt1"/>
+          </a:fontRef>
+        </p:style>
+        <p:txBody>
+          <a:bodyPr rtlCol="0" anchor="ctr"/>
+          <a:lstStyle/>
+          <a:p>
+            <a:pPr algn="ctr"/>
+            <a:endParaRPr kumimoji="1" lang="ja-JP" altLang="en-US"/>
+          </a:p>
+        </p:txBody>
+      </p:sp>
+    </p:spTree>
+    <p:extLst>
+      <p:ext uri="{BB962C8B-B14F-4D97-AF65-F5344CB8AC3E}">
+        <p14:creationId xmlns:p14="http://schemas.microsoft.com/office/powerpoint/2010/main" val="2808956833"/>
+      </p:ext>
+    </p:extLst>
+  </p:cSld>
+  <p:clrMapOvr>
+    <a:masterClrMapping/>
+  </p:clrMapOvr>
+</p:sld>
+</file>
+
+<file path=ppt/slides/slide8.xml><?xml version="1.0" encoding="utf-8"?>
+<p:sld xmlns:a="http://schemas.openxmlformats.org/drawingml/2006/main" xmlns:r="http://schemas.openxmlformats.org/officeDocument/2006/relationships" xmlns:p="http://schemas.openxmlformats.org/presentationml/2006/main">
+  <p:cSld>
+    <p:spTree>
+      <p:nvGrpSpPr>
+        <p:cNvPr id="1" name=""/>
+        <p:cNvGrpSpPr/>
+        <p:nvPr/>
+      </p:nvGrpSpPr>
+      <p:grpSpPr>
+        <a:xfrm>
+          <a:off x="0" y="0"/>
+          <a:ext cx="0" cy="0"/>
+          <a:chOff x="0" y="0"/>
+          <a:chExt cx="0" cy="0"/>
+        </a:xfrm>
+      </p:grpSpPr>
+      <p:sp>
+        <p:nvSpPr>
+          <p:cNvPr id="2" name="スライド番号プレースホルダー 1">
+            <a:extLst>
+              <a:ext uri="{FF2B5EF4-FFF2-40B4-BE49-F238E27FC236}">
+                <a16:creationId xmlns:a16="http://schemas.microsoft.com/office/drawing/2014/main" id="{6A3EF341-4EC6-494B-8EBB-950529C5506D}"/>
+              </a:ext>
+            </a:extLst>
+          </p:cNvPr>
+          <p:cNvSpPr>
+            <a:spLocks noGrp="1"/>
+          </p:cNvSpPr>
+          <p:nvPr>
+            <p:ph type="sldNum" sz="quarter" idx="12"/>
+          </p:nvPr>
+        </p:nvSpPr>
+        <p:spPr/>
+        <p:txBody>
+          <a:bodyPr/>
+          <a:lstStyle/>
+          <a:p>
+            <a:fld id="{54E8F7FD-0FB9-42CD-ACB3-7754F601E11E}" type="slidenum">
+              <a:rPr kumimoji="1" lang="ja-JP" altLang="en-US" smtClean="0"/>
+              <a:t>8</a:t>
+            </a:fld>
+            <a:endParaRPr kumimoji="1" lang="ja-JP" altLang="en-US"/>
+          </a:p>
+        </p:txBody>
+      </p:sp>
+      <p:sp>
+        <p:nvSpPr>
+          <p:cNvPr id="3" name="タイトル 2">
+            <a:extLst>
+              <a:ext uri="{FF2B5EF4-FFF2-40B4-BE49-F238E27FC236}">
+                <a16:creationId xmlns:a16="http://schemas.microsoft.com/office/drawing/2014/main" id="{D0B69B91-FD30-4B11-AE0E-EE10E00756AA}"/>
+              </a:ext>
+            </a:extLst>
+          </p:cNvPr>
+          <p:cNvSpPr>
+            <a:spLocks noGrp="1"/>
+          </p:cNvSpPr>
+          <p:nvPr>
+            <p:ph type="title"/>
+          </p:nvPr>
+        </p:nvSpPr>
+        <p:spPr/>
+        <p:txBody>
+          <a:bodyPr/>
+          <a:lstStyle/>
+          <a:p>
+            <a:endParaRPr kumimoji="1" lang="ja-JP" altLang="en-US"/>
+          </a:p>
+        </p:txBody>
+      </p:sp>
+      <p:sp>
+        <p:nvSpPr>
+          <p:cNvPr id="4" name="フッター プレースホルダー 3">
+            <a:extLst>
+              <a:ext uri="{FF2B5EF4-FFF2-40B4-BE49-F238E27FC236}">
+                <a16:creationId xmlns:a16="http://schemas.microsoft.com/office/drawing/2014/main" id="{B595D397-E477-4478-9584-1BE4ED7B9260}"/>
+              </a:ext>
+            </a:extLst>
+          </p:cNvPr>
+          <p:cNvSpPr>
+            <a:spLocks noGrp="1"/>
+          </p:cNvSpPr>
+          <p:nvPr>
+            <p:ph type="ftr" sz="quarter" idx="14"/>
+          </p:nvPr>
+        </p:nvSpPr>
+        <p:spPr/>
+        <p:txBody>
+          <a:bodyPr/>
+          <a:lstStyle/>
+          <a:p>
+            <a:endParaRPr lang="ja-JP" altLang="en-US"/>
+          </a:p>
+        </p:txBody>
+      </p:sp>
+      <p:sp>
+        <p:nvSpPr>
+          <p:cNvPr id="6" name="楕円 5">
+            <a:extLst>
+              <a:ext uri="{FF2B5EF4-FFF2-40B4-BE49-F238E27FC236}">
+                <a16:creationId xmlns:a16="http://schemas.microsoft.com/office/drawing/2014/main" id="{2BC90D54-F11A-4CA1-9354-38EB3BEE6E94}"/>
+              </a:ext>
+            </a:extLst>
+          </p:cNvPr>
+          <p:cNvSpPr/>
+          <p:nvPr/>
+        </p:nvSpPr>
+        <p:spPr>
+          <a:xfrm>
+            <a:off x="2270861" y="2621076"/>
+            <a:ext cx="84778" cy="84778"/>
+          </a:xfrm>
+          <a:prstGeom prst="ellipse">
+            <a:avLst/>
+          </a:prstGeom>
+          <a:solidFill>
+            <a:srgbClr val="FF0000"/>
+          </a:solidFill>
+          <a:ln>
+            <a:noFill/>
+          </a:ln>
+        </p:spPr>
+        <p:style>
+          <a:lnRef idx="2">
+            <a:schemeClr val="accent1">
+              <a:shade val="50000"/>
+            </a:schemeClr>
+          </a:lnRef>
+          <a:fillRef idx="1">
+            <a:schemeClr val="accent1"/>
+          </a:fillRef>
+          <a:effectRef idx="0">
+            <a:schemeClr val="accent1"/>
+          </a:effectRef>
+          <a:fontRef idx="minor">
+            <a:schemeClr val="lt1"/>
+          </a:fontRef>
+        </p:style>
+        <p:txBody>
+          <a:bodyPr rtlCol="0" anchor="ctr"/>
+          <a:lstStyle/>
+          <a:p>
+            <a:pPr algn="ctr"/>
+            <a:endParaRPr kumimoji="1" lang="ja-JP" altLang="en-US"/>
+          </a:p>
+        </p:txBody>
+      </p:sp>
+      <p:cxnSp>
+        <p:nvCxnSpPr>
+          <p:cNvPr id="8" name="直線矢印コネクタ 7">
+            <a:extLst>
+              <a:ext uri="{FF2B5EF4-FFF2-40B4-BE49-F238E27FC236}">
+                <a16:creationId xmlns:a16="http://schemas.microsoft.com/office/drawing/2014/main" id="{2EDFDC31-14A7-4396-95E5-DAF8E03426A4}"/>
+              </a:ext>
+            </a:extLst>
+          </p:cNvPr>
+          <p:cNvCxnSpPr>
+            <a:cxnSpLocks/>
+          </p:cNvCxnSpPr>
+          <p:nvPr/>
+        </p:nvCxnSpPr>
+        <p:spPr>
+          <a:xfrm>
+            <a:off x="2313250" y="3225378"/>
+            <a:ext cx="1655834" cy="0"/>
+          </a:xfrm>
+          <a:prstGeom prst="straightConnector1">
+            <a:avLst/>
+          </a:prstGeom>
+          <a:ln w="19050">
+            <a:solidFill>
+              <a:srgbClr val="FF0000"/>
+            </a:solidFill>
+            <a:headEnd type="triangle"/>
+            <a:tailEnd type="triangle"/>
+          </a:ln>
+        </p:spPr>
+        <p:style>
+          <a:lnRef idx="1">
+            <a:schemeClr val="accent1"/>
+          </a:lnRef>
+          <a:fillRef idx="0">
+            <a:schemeClr val="accent1"/>
+          </a:fillRef>
+          <a:effectRef idx="0">
+            <a:schemeClr val="accent1"/>
+          </a:effectRef>
+          <a:fontRef idx="minor">
+            <a:schemeClr val="tx1"/>
+          </a:fontRef>
+        </p:style>
+      </p:cxnSp>
+      <p:cxnSp>
+        <p:nvCxnSpPr>
+          <p:cNvPr id="12" name="直線矢印コネクタ 11">
+            <a:extLst>
+              <a:ext uri="{FF2B5EF4-FFF2-40B4-BE49-F238E27FC236}">
+                <a16:creationId xmlns:a16="http://schemas.microsoft.com/office/drawing/2014/main" id="{2A5DAD3B-A309-4B79-949A-6A35EE1BC7D1}"/>
+              </a:ext>
+            </a:extLst>
+          </p:cNvPr>
+          <p:cNvCxnSpPr>
+            <a:cxnSpLocks/>
+          </p:cNvCxnSpPr>
+          <p:nvPr/>
+        </p:nvCxnSpPr>
+        <p:spPr>
+          <a:xfrm>
+            <a:off x="3136434" y="2663466"/>
+            <a:ext cx="0" cy="1123825"/>
+          </a:xfrm>
+          <a:prstGeom prst="straightConnector1">
+            <a:avLst/>
+          </a:prstGeom>
+          <a:ln w="19050">
+            <a:solidFill>
+              <a:srgbClr val="FF0000"/>
+            </a:solidFill>
+            <a:headEnd type="triangle"/>
+            <a:tailEnd type="triangle"/>
+          </a:ln>
+        </p:spPr>
+        <p:style>
+          <a:lnRef idx="1">
+            <a:schemeClr val="accent1"/>
+          </a:lnRef>
+          <a:fillRef idx="0">
+            <a:schemeClr val="accent1"/>
+          </a:fillRef>
+          <a:effectRef idx="0">
+            <a:schemeClr val="accent1"/>
+          </a:effectRef>
+          <a:fontRef idx="minor">
+            <a:schemeClr val="tx1"/>
+          </a:fontRef>
+        </p:style>
+      </p:cxnSp>
+      <p:sp>
+        <p:nvSpPr>
+          <p:cNvPr id="7" name="楕円 6">
+            <a:extLst>
+              <a:ext uri="{FF2B5EF4-FFF2-40B4-BE49-F238E27FC236}">
+                <a16:creationId xmlns:a16="http://schemas.microsoft.com/office/drawing/2014/main" id="{7220A742-F3AD-47CC-A1D7-082EED87F9F2}"/>
+              </a:ext>
+            </a:extLst>
+          </p:cNvPr>
+          <p:cNvSpPr/>
+          <p:nvPr/>
+        </p:nvSpPr>
+        <p:spPr>
+          <a:xfrm>
+            <a:off x="2325359" y="2663466"/>
+            <a:ext cx="1649781" cy="1123825"/>
+          </a:xfrm>
+          <a:prstGeom prst="ellipse">
+            <a:avLst/>
+          </a:prstGeom>
+          <a:noFill/>
+          <a:ln w="28575">
+            <a:solidFill>
+              <a:schemeClr val="tx1"/>
+            </a:solidFill>
+          </a:ln>
+        </p:spPr>
+        <p:style>
+          <a:lnRef idx="2">
+            <a:schemeClr val="accent1">
+              <a:shade val="50000"/>
+            </a:schemeClr>
+          </a:lnRef>
+          <a:fillRef idx="1">
+            <a:schemeClr val="accent1"/>
+          </a:fillRef>
+          <a:effectRef idx="0">
+            <a:schemeClr val="accent1"/>
+          </a:effectRef>
+          <a:fontRef idx="minor">
+            <a:schemeClr val="lt1"/>
+          </a:fontRef>
+        </p:style>
+        <p:txBody>
+          <a:bodyPr rtlCol="0" anchor="ctr"/>
+          <a:lstStyle/>
+          <a:p>
+            <a:pPr algn="ctr"/>
+            <a:endParaRPr kumimoji="1" lang="ja-JP" altLang="en-US"/>
+          </a:p>
+        </p:txBody>
+      </p:sp>
+      <p:cxnSp>
+        <p:nvCxnSpPr>
+          <p:cNvPr id="9" name="直線コネクタ 8">
+            <a:extLst>
+              <a:ext uri="{FF2B5EF4-FFF2-40B4-BE49-F238E27FC236}">
+                <a16:creationId xmlns:a16="http://schemas.microsoft.com/office/drawing/2014/main" id="{68BC6D45-C4DA-4B3A-BD89-9F9184A5417D}"/>
+              </a:ext>
+            </a:extLst>
+          </p:cNvPr>
+          <p:cNvCxnSpPr>
+            <a:cxnSpLocks/>
+            <a:stCxn id="7" idx="0"/>
+          </p:cNvCxnSpPr>
+          <p:nvPr/>
+        </p:nvCxnSpPr>
+        <p:spPr>
+          <a:xfrm flipH="1">
+            <a:off x="2319306" y="2663466"/>
+            <a:ext cx="830944" cy="0"/>
+          </a:xfrm>
+          <a:prstGeom prst="line">
+            <a:avLst/>
+          </a:prstGeom>
+          <a:ln w="19050">
+            <a:solidFill>
+              <a:srgbClr val="FF0000"/>
+            </a:solidFill>
+            <a:prstDash val="sysDot"/>
+          </a:ln>
+        </p:spPr>
+        <p:style>
+          <a:lnRef idx="1">
+            <a:schemeClr val="accent1"/>
+          </a:lnRef>
+          <a:fillRef idx="0">
+            <a:schemeClr val="accent1"/>
+          </a:fillRef>
+          <a:effectRef idx="0">
+            <a:schemeClr val="accent1"/>
+          </a:effectRef>
+          <a:fontRef idx="minor">
+            <a:schemeClr val="tx1"/>
+          </a:fontRef>
+        </p:style>
+      </p:cxnSp>
+      <p:cxnSp>
+        <p:nvCxnSpPr>
+          <p:cNvPr id="11" name="直線コネクタ 10">
+            <a:extLst>
+              <a:ext uri="{FF2B5EF4-FFF2-40B4-BE49-F238E27FC236}">
+                <a16:creationId xmlns:a16="http://schemas.microsoft.com/office/drawing/2014/main" id="{6C8A4DBF-9CDB-454C-96E7-1232823FE15E}"/>
+              </a:ext>
+            </a:extLst>
+          </p:cNvPr>
+          <p:cNvCxnSpPr>
+            <a:cxnSpLocks/>
+          </p:cNvCxnSpPr>
+          <p:nvPr/>
+        </p:nvCxnSpPr>
+        <p:spPr>
+          <a:xfrm>
+            <a:off x="2313250" y="2663466"/>
+            <a:ext cx="0" cy="561913"/>
+          </a:xfrm>
+          <a:prstGeom prst="line">
+            <a:avLst/>
+          </a:prstGeom>
+          <a:ln w="19050">
+            <a:solidFill>
+              <a:srgbClr val="FF0000"/>
+            </a:solidFill>
+            <a:prstDash val="sysDot"/>
+          </a:ln>
+        </p:spPr>
+        <p:style>
+          <a:lnRef idx="1">
+            <a:schemeClr val="accent1"/>
+          </a:lnRef>
+          <a:fillRef idx="0">
+            <a:schemeClr val="accent1"/>
+          </a:fillRef>
+          <a:effectRef idx="0">
+            <a:schemeClr val="accent1"/>
+          </a:effectRef>
+          <a:fontRef idx="minor">
+            <a:schemeClr val="tx1"/>
+          </a:fontRef>
+        </p:style>
+      </p:cxnSp>
+    </p:spTree>
+    <p:extLst>
+      <p:ext uri="{BB962C8B-B14F-4D97-AF65-F5344CB8AC3E}">
+        <p14:creationId xmlns:p14="http://schemas.microsoft.com/office/powerpoint/2010/main" val="3511200779"/>
+      </p:ext>
+    </p:extLst>
+  </p:cSld>
+  <p:clrMapOvr>
+    <a:masterClrMapping/>
+  </p:clrMapOvr>
+</p:sld>
+</file>
+
+<file path=ppt/slides/slide9.xml><?xml version="1.0" encoding="utf-8"?>
+<p:sld xmlns:a="http://schemas.openxmlformats.org/drawingml/2006/main" xmlns:r="http://schemas.openxmlformats.org/officeDocument/2006/relationships" xmlns:p="http://schemas.openxmlformats.org/presentationml/2006/main">
+  <p:cSld>
+    <p:spTree>
+      <p:nvGrpSpPr>
+        <p:cNvPr id="1" name=""/>
+        <p:cNvGrpSpPr/>
+        <p:nvPr/>
+      </p:nvGrpSpPr>
+      <p:grpSpPr>
+        <a:xfrm>
+          <a:off x="0" y="0"/>
+          <a:ext cx="0" cy="0"/>
+          <a:chOff x="0" y="0"/>
+          <a:chExt cx="0" cy="0"/>
+        </a:xfrm>
+      </p:grpSpPr>
+      <p:sp>
+        <p:nvSpPr>
+          <p:cNvPr id="2" name="スライド番号プレースホルダー 1">
+            <a:extLst>
+              <a:ext uri="{FF2B5EF4-FFF2-40B4-BE49-F238E27FC236}">
+                <a16:creationId xmlns:a16="http://schemas.microsoft.com/office/drawing/2014/main" id="{6A3EF341-4EC6-494B-8EBB-950529C5506D}"/>
+              </a:ext>
+            </a:extLst>
+          </p:cNvPr>
+          <p:cNvSpPr>
+            <a:spLocks noGrp="1"/>
+          </p:cNvSpPr>
+          <p:nvPr>
+            <p:ph type="sldNum" sz="quarter" idx="12"/>
+          </p:nvPr>
+        </p:nvSpPr>
+        <p:spPr/>
+        <p:txBody>
+          <a:bodyPr/>
+          <a:lstStyle/>
+          <a:p>
+            <a:fld id="{54E8F7FD-0FB9-42CD-ACB3-7754F601E11E}" type="slidenum">
+              <a:rPr kumimoji="1" lang="ja-JP" altLang="en-US" smtClean="0"/>
+              <a:t>9</a:t>
+            </a:fld>
+            <a:endParaRPr kumimoji="1" lang="ja-JP" altLang="en-US"/>
+          </a:p>
+        </p:txBody>
+      </p:sp>
+      <p:sp>
+        <p:nvSpPr>
+          <p:cNvPr id="3" name="タイトル 2">
+            <a:extLst>
+              <a:ext uri="{FF2B5EF4-FFF2-40B4-BE49-F238E27FC236}">
+                <a16:creationId xmlns:a16="http://schemas.microsoft.com/office/drawing/2014/main" id="{D0B69B91-FD30-4B11-AE0E-EE10E00756AA}"/>
+              </a:ext>
+            </a:extLst>
+          </p:cNvPr>
+          <p:cNvSpPr>
+            <a:spLocks noGrp="1"/>
+          </p:cNvSpPr>
+          <p:nvPr>
+            <p:ph type="title"/>
+          </p:nvPr>
+        </p:nvSpPr>
+        <p:spPr/>
+        <p:txBody>
+          <a:bodyPr/>
+          <a:lstStyle/>
+          <a:p>
+            <a:endParaRPr kumimoji="1" lang="ja-JP" altLang="en-US"/>
+          </a:p>
+        </p:txBody>
+      </p:sp>
+      <p:sp>
+        <p:nvSpPr>
+          <p:cNvPr id="4" name="フッター プレースホルダー 3">
+            <a:extLst>
+              <a:ext uri="{FF2B5EF4-FFF2-40B4-BE49-F238E27FC236}">
+                <a16:creationId xmlns:a16="http://schemas.microsoft.com/office/drawing/2014/main" id="{B595D397-E477-4478-9584-1BE4ED7B9260}"/>
+              </a:ext>
+            </a:extLst>
+          </p:cNvPr>
+          <p:cNvSpPr>
+            <a:spLocks noGrp="1"/>
+          </p:cNvSpPr>
+          <p:nvPr>
+            <p:ph type="ftr" sz="quarter" idx="14"/>
+          </p:nvPr>
+        </p:nvSpPr>
+        <p:spPr/>
+        <p:txBody>
+          <a:bodyPr/>
+          <a:lstStyle/>
+          <a:p>
+            <a:endParaRPr lang="ja-JP" altLang="en-US"/>
+          </a:p>
+        </p:txBody>
+      </p:sp>
+      <p:sp>
+        <p:nvSpPr>
+          <p:cNvPr id="6" name="楕円 5">
+            <a:extLst>
+              <a:ext uri="{FF2B5EF4-FFF2-40B4-BE49-F238E27FC236}">
+                <a16:creationId xmlns:a16="http://schemas.microsoft.com/office/drawing/2014/main" id="{2BC90D54-F11A-4CA1-9354-38EB3BEE6E94}"/>
+              </a:ext>
+            </a:extLst>
+          </p:cNvPr>
+          <p:cNvSpPr/>
+          <p:nvPr/>
+        </p:nvSpPr>
+        <p:spPr>
+          <a:xfrm>
+            <a:off x="2270861" y="2621076"/>
+            <a:ext cx="84778" cy="84778"/>
+          </a:xfrm>
+          <a:prstGeom prst="ellipse">
+            <a:avLst/>
+          </a:prstGeom>
+          <a:solidFill>
+            <a:srgbClr val="FF0000"/>
+          </a:solidFill>
+          <a:ln>
+            <a:noFill/>
+          </a:ln>
+        </p:spPr>
+        <p:style>
+          <a:lnRef idx="2">
+            <a:schemeClr val="accent1">
+              <a:shade val="50000"/>
+            </a:schemeClr>
+          </a:lnRef>
+          <a:fillRef idx="1">
+            <a:schemeClr val="accent1"/>
+          </a:fillRef>
+          <a:effectRef idx="0">
+            <a:schemeClr val="accent1"/>
+          </a:effectRef>
+          <a:fontRef idx="minor">
+            <a:schemeClr val="lt1"/>
+          </a:fontRef>
+        </p:style>
+        <p:txBody>
+          <a:bodyPr rtlCol="0" anchor="ctr"/>
+          <a:lstStyle/>
+          <a:p>
+            <a:pPr algn="ctr"/>
+            <a:endParaRPr kumimoji="1" lang="ja-JP" altLang="en-US"/>
+          </a:p>
+        </p:txBody>
+      </p:sp>
+      <p:sp>
+        <p:nvSpPr>
+          <p:cNvPr id="7" name="楕円 6">
+            <a:extLst>
+              <a:ext uri="{FF2B5EF4-FFF2-40B4-BE49-F238E27FC236}">
+                <a16:creationId xmlns:a16="http://schemas.microsoft.com/office/drawing/2014/main" id="{7220A742-F3AD-47CC-A1D7-082EED87F9F2}"/>
+              </a:ext>
+            </a:extLst>
+          </p:cNvPr>
+          <p:cNvSpPr/>
+          <p:nvPr/>
+        </p:nvSpPr>
+        <p:spPr>
+          <a:xfrm>
+            <a:off x="2325359" y="2663466"/>
+            <a:ext cx="1649781" cy="1123825"/>
+          </a:xfrm>
+          <a:prstGeom prst="ellipse">
+            <a:avLst/>
+          </a:prstGeom>
+          <a:noFill/>
+          <a:ln w="28575">
+            <a:solidFill>
+              <a:schemeClr val="tx1"/>
+            </a:solidFill>
+          </a:ln>
+        </p:spPr>
+        <p:style>
+          <a:lnRef idx="2">
+            <a:schemeClr val="accent1">
+              <a:shade val="50000"/>
+            </a:schemeClr>
+          </a:lnRef>
+          <a:fillRef idx="1">
+            <a:schemeClr val="accent1"/>
+          </a:fillRef>
+          <a:effectRef idx="0">
+            <a:schemeClr val="accent1"/>
+          </a:effectRef>
+          <a:fontRef idx="minor">
+            <a:schemeClr val="lt1"/>
+          </a:fontRef>
+        </p:style>
+        <p:txBody>
+          <a:bodyPr rtlCol="0" anchor="ctr"/>
+          <a:lstStyle/>
+          <a:p>
+            <a:pPr algn="ctr"/>
+            <a:endParaRPr kumimoji="1" lang="ja-JP" altLang="en-US"/>
+          </a:p>
+        </p:txBody>
+      </p:sp>
+      <p:cxnSp>
+        <p:nvCxnSpPr>
+          <p:cNvPr id="9" name="直線コネクタ 8">
+            <a:extLst>
+              <a:ext uri="{FF2B5EF4-FFF2-40B4-BE49-F238E27FC236}">
+                <a16:creationId xmlns:a16="http://schemas.microsoft.com/office/drawing/2014/main" id="{68BC6D45-C4DA-4B3A-BD89-9F9184A5417D}"/>
+              </a:ext>
+            </a:extLst>
+          </p:cNvPr>
+          <p:cNvCxnSpPr>
+            <a:cxnSpLocks/>
+            <a:stCxn id="7" idx="0"/>
+          </p:cNvCxnSpPr>
+          <p:nvPr/>
+        </p:nvCxnSpPr>
+        <p:spPr>
+          <a:xfrm flipH="1">
+            <a:off x="2319306" y="2663466"/>
+            <a:ext cx="830944" cy="0"/>
+          </a:xfrm>
+          <a:prstGeom prst="line">
+            <a:avLst/>
+          </a:prstGeom>
+          <a:ln w="19050">
+            <a:solidFill>
+              <a:srgbClr val="FF0000"/>
+            </a:solidFill>
+            <a:prstDash val="sysDot"/>
+          </a:ln>
+        </p:spPr>
+        <p:style>
+          <a:lnRef idx="1">
+            <a:schemeClr val="accent1"/>
+          </a:lnRef>
+          <a:fillRef idx="0">
+            <a:schemeClr val="accent1"/>
+          </a:fillRef>
+          <a:effectRef idx="0">
+            <a:schemeClr val="accent1"/>
+          </a:effectRef>
+          <a:fontRef idx="minor">
+            <a:schemeClr val="tx1"/>
+          </a:fontRef>
+        </p:style>
+      </p:cxnSp>
+      <p:cxnSp>
+        <p:nvCxnSpPr>
+          <p:cNvPr id="11" name="直線コネクタ 10">
+            <a:extLst>
+              <a:ext uri="{FF2B5EF4-FFF2-40B4-BE49-F238E27FC236}">
+                <a16:creationId xmlns:a16="http://schemas.microsoft.com/office/drawing/2014/main" id="{6C8A4DBF-9CDB-454C-96E7-1232823FE15E}"/>
+              </a:ext>
+            </a:extLst>
+          </p:cNvPr>
+          <p:cNvCxnSpPr>
+            <a:cxnSpLocks/>
+          </p:cNvCxnSpPr>
+          <p:nvPr/>
+        </p:nvCxnSpPr>
+        <p:spPr>
+          <a:xfrm>
+            <a:off x="2313250" y="2663466"/>
+            <a:ext cx="0" cy="561913"/>
+          </a:xfrm>
+          <a:prstGeom prst="line">
+            <a:avLst/>
+          </a:prstGeom>
+          <a:ln w="19050">
+            <a:solidFill>
+              <a:srgbClr val="FF0000"/>
+            </a:solidFill>
+            <a:prstDash val="sysDot"/>
+          </a:ln>
+        </p:spPr>
+        <p:style>
+          <a:lnRef idx="1">
+            <a:schemeClr val="accent1"/>
+          </a:lnRef>
+          <a:fillRef idx="0">
+            <a:schemeClr val="accent1"/>
+          </a:fillRef>
+          <a:effectRef idx="0">
+            <a:schemeClr val="accent1"/>
+          </a:effectRef>
+          <a:fontRef idx="minor">
+            <a:schemeClr val="tx1"/>
+          </a:fontRef>
+        </p:style>
+      </p:cxnSp>
+      <p:cxnSp>
+        <p:nvCxnSpPr>
+          <p:cNvPr id="13" name="直線コネクタ 12">
+            <a:extLst>
+              <a:ext uri="{FF2B5EF4-FFF2-40B4-BE49-F238E27FC236}">
+                <a16:creationId xmlns:a16="http://schemas.microsoft.com/office/drawing/2014/main" id="{2765D13F-29F8-40EB-B526-18633E7FACA6}"/>
+              </a:ext>
+            </a:extLst>
+          </p:cNvPr>
+          <p:cNvCxnSpPr>
+            <a:cxnSpLocks/>
+          </p:cNvCxnSpPr>
+          <p:nvPr/>
+        </p:nvCxnSpPr>
+        <p:spPr>
+          <a:xfrm>
+            <a:off x="3976149" y="3235218"/>
+            <a:ext cx="0" cy="561913"/>
+          </a:xfrm>
+          <a:prstGeom prst="line">
+            <a:avLst/>
+          </a:prstGeom>
+          <a:ln w="19050">
+            <a:solidFill>
+              <a:srgbClr val="FF0000"/>
+            </a:solidFill>
+            <a:prstDash val="sysDot"/>
+          </a:ln>
+        </p:spPr>
+        <p:style>
+          <a:lnRef idx="1">
+            <a:schemeClr val="accent1"/>
+          </a:lnRef>
+          <a:fillRef idx="0">
+            <a:schemeClr val="accent1"/>
+          </a:fillRef>
+          <a:effectRef idx="0">
+            <a:schemeClr val="accent1"/>
+          </a:effectRef>
+          <a:fontRef idx="minor">
+            <a:schemeClr val="tx1"/>
+          </a:fontRef>
+        </p:style>
+      </p:cxnSp>
+      <p:cxnSp>
+        <p:nvCxnSpPr>
+          <p:cNvPr id="14" name="直線コネクタ 13">
+            <a:extLst>
+              <a:ext uri="{FF2B5EF4-FFF2-40B4-BE49-F238E27FC236}">
+                <a16:creationId xmlns:a16="http://schemas.microsoft.com/office/drawing/2014/main" id="{71A3A112-8EA8-4226-95BA-8B108A59F6B4}"/>
+              </a:ext>
+            </a:extLst>
+          </p:cNvPr>
+          <p:cNvCxnSpPr>
+            <a:cxnSpLocks/>
+          </p:cNvCxnSpPr>
+          <p:nvPr/>
+        </p:nvCxnSpPr>
+        <p:spPr>
+          <a:xfrm flipH="1">
+            <a:off x="3138140" y="3797129"/>
+            <a:ext cx="830944" cy="0"/>
+          </a:xfrm>
+          <a:prstGeom prst="line">
+            <a:avLst/>
+          </a:prstGeom>
+          <a:ln w="19050">
+            <a:solidFill>
+              <a:srgbClr val="FF0000"/>
+            </a:solidFill>
+            <a:prstDash val="sysDot"/>
+          </a:ln>
+        </p:spPr>
+        <p:style>
+          <a:lnRef idx="1">
+            <a:schemeClr val="accent1"/>
+          </a:lnRef>
+          <a:fillRef idx="0">
+            <a:schemeClr val="accent1"/>
+          </a:fillRef>
+          <a:effectRef idx="0">
+            <a:schemeClr val="accent1"/>
+          </a:effectRef>
+          <a:fontRef idx="minor">
+            <a:schemeClr val="tx1"/>
+          </a:fontRef>
+        </p:style>
+      </p:cxnSp>
+      <p:sp>
+        <p:nvSpPr>
+          <p:cNvPr id="15" name="楕円 14">
+            <a:extLst>
+              <a:ext uri="{FF2B5EF4-FFF2-40B4-BE49-F238E27FC236}">
+                <a16:creationId xmlns:a16="http://schemas.microsoft.com/office/drawing/2014/main" id="{3F74432D-4EF1-4D88-9604-9B98E017C9A3}"/>
+              </a:ext>
+            </a:extLst>
+          </p:cNvPr>
+          <p:cNvSpPr/>
+          <p:nvPr/>
+        </p:nvSpPr>
+        <p:spPr>
+          <a:xfrm>
+            <a:off x="3944859" y="3754740"/>
+            <a:ext cx="84778" cy="84778"/>
+          </a:xfrm>
+          <a:prstGeom prst="ellipse">
+            <a:avLst/>
+          </a:prstGeom>
+          <a:solidFill>
+            <a:srgbClr val="FF0000"/>
+          </a:solidFill>
+          <a:ln>
+            <a:noFill/>
+          </a:ln>
+        </p:spPr>
+        <p:style>
+          <a:lnRef idx="2">
+            <a:schemeClr val="accent1">
+              <a:shade val="50000"/>
+            </a:schemeClr>
+          </a:lnRef>
+          <a:fillRef idx="1">
+            <a:schemeClr val="accent1"/>
+          </a:fillRef>
+          <a:effectRef idx="0">
+            <a:schemeClr val="accent1"/>
+          </a:effectRef>
+          <a:fontRef idx="minor">
+            <a:schemeClr val="lt1"/>
+          </a:fontRef>
+        </p:style>
+        <p:txBody>
+          <a:bodyPr rtlCol="0" anchor="ctr"/>
+          <a:lstStyle/>
+          <a:p>
+            <a:pPr algn="ctr"/>
+            <a:endParaRPr kumimoji="1" lang="ja-JP" altLang="en-US"/>
+          </a:p>
+        </p:txBody>
+      </p:sp>
+    </p:spTree>
+    <p:extLst>
+      <p:ext uri="{BB962C8B-B14F-4D97-AF65-F5344CB8AC3E}">
+        <p14:creationId xmlns:p14="http://schemas.microsoft.com/office/powerpoint/2010/main" val="2650150755"/>
       </p:ext>
     </p:extLst>
   </p:cSld>

--- a/images/draw/図素材.pptx
+++ b/images/draw/図素材.pptx
@@ -224,7 +224,7 @@
           <a:p>
             <a:fld id="{C0D9501B-69D0-4000-9A67-A4069798CF04}" type="datetimeFigureOut">
               <a:rPr kumimoji="1" lang="ja-JP" altLang="en-US" smtClean="0"/>
-              <a:t>2022/4/17</a:t>
+              <a:t>2022/4/18</a:t>
             </a:fld>
             <a:endParaRPr kumimoji="1" lang="ja-JP" altLang="en-US"/>
           </a:p>
@@ -402,7 +402,7 @@
           <a:p>
             <a:fld id="{E1D20702-79C6-4D55-B0C7-6A4E995866BD}" type="datetimeFigureOut">
               <a:rPr kumimoji="1" lang="ja-JP" altLang="en-US" smtClean="0"/>
-              <a:t>2022/4/17</a:t>
+              <a:t>2022/4/18</a:t>
             </a:fld>
             <a:endParaRPr kumimoji="1" lang="ja-JP" altLang="en-US"/>
           </a:p>
